--- a/Présentation/Défense orale.pptx
+++ b/Présentation/Défense orale.pptx
@@ -5,7 +5,7 @@
     <p:sldMasterId id="2147483843" r:id="rId1"/>
   </p:sldMasterIdLst>
   <p:notesMasterIdLst>
-    <p:notesMasterId r:id="rId23"/>
+    <p:notesMasterId r:id="rId26"/>
   </p:notesMasterIdLst>
   <p:sldIdLst>
     <p:sldId id="256" r:id="rId2"/>
@@ -22,13 +22,16 @@
     <p:sldId id="274" r:id="rId13"/>
     <p:sldId id="282" r:id="rId14"/>
     <p:sldId id="283" r:id="rId15"/>
-    <p:sldId id="275" r:id="rId16"/>
-    <p:sldId id="276" r:id="rId17"/>
-    <p:sldId id="277" r:id="rId18"/>
-    <p:sldId id="278" r:id="rId19"/>
-    <p:sldId id="279" r:id="rId20"/>
-    <p:sldId id="280" r:id="rId21"/>
-    <p:sldId id="281" r:id="rId22"/>
+    <p:sldId id="284" r:id="rId16"/>
+    <p:sldId id="275" r:id="rId17"/>
+    <p:sldId id="276" r:id="rId18"/>
+    <p:sldId id="285" r:id="rId19"/>
+    <p:sldId id="277" r:id="rId20"/>
+    <p:sldId id="278" r:id="rId21"/>
+    <p:sldId id="279" r:id="rId22"/>
+    <p:sldId id="280" r:id="rId23"/>
+    <p:sldId id="281" r:id="rId24"/>
+    <p:sldId id="286" r:id="rId25"/>
   </p:sldIdLst>
   <p:sldSz cx="9144000" cy="6858000" type="screen4x3"/>
   <p:notesSz cx="6858000" cy="9144000"/>
@@ -6959,13 +6962,6 @@
   <p:clrMapOvr>
     <a:masterClrMapping/>
   </p:clrMapOvr>
-  <p:timing>
-    <p:tnLst>
-      <p:par>
-        <p:cTn id="1" dur="indefinite" restart="never" nodeType="tmRoot"/>
-      </p:par>
-    </p:tnLst>
-  </p:timing>
 </p:sld>
 </file>
 
@@ -7071,13 +7067,6 @@
   <p:clrMapOvr>
     <a:masterClrMapping/>
   </p:clrMapOvr>
-  <p:timing>
-    <p:tnLst>
-      <p:par>
-        <p:cTn id="1" dur="indefinite" restart="never" nodeType="tmRoot"/>
-      </p:par>
-    </p:tnLst>
-  </p:timing>
 </p:sld>
 </file>
 
@@ -11169,6 +11158,20 @@
               </a:buClr>
             </a:pPr>
             <a:r>
+              <a:rPr lang="fr-CH" spc="-1" dirty="0" smtClean="0">
+                <a:solidFill>
+                  <a:srgbClr val="FFFFFF"/>
+                </a:solidFill>
+                <a:uFill>
+                  <a:solidFill>
+                    <a:srgbClr val="FFFFFF"/>
+                  </a:solidFill>
+                </a:uFill>
+                <a:ea typeface="DejaVu Sans"/>
+              </a:rPr>
+              <a:t>Appelée </a:t>
+            </a:r>
+            <a:r>
               <a:rPr lang="fr-CH" spc="-1" dirty="0">
                 <a:solidFill>
                   <a:srgbClr val="FFFFFF"/>
@@ -11180,7 +11183,7 @@
                 </a:uFill>
                 <a:ea typeface="DejaVu Sans"/>
               </a:rPr>
-              <a:t>Appeler au lancement de l'application ou lors du changement de bibliothèque</a:t>
+              <a:t>au lancement de l'application ou lors du changement de bibliothèque</a:t>
             </a:r>
             <a:endParaRPr lang="fr-CH" dirty="0"/>
           </a:p>
@@ -11839,6 +11842,783 @@
             <a:spLocks noGrp="1"/>
           </p:cNvSpPr>
           <p:nvPr>
+            <p:ph type="title"/>
+          </p:nvPr>
+        </p:nvSpPr>
+        <p:spPr>
+          <a:xfrm>
+            <a:off x="484710" y="172161"/>
+            <a:ext cx="7055380" cy="1400530"/>
+          </a:xfrm>
+        </p:spPr>
+        <p:txBody>
+          <a:bodyPr/>
+          <a:lstStyle/>
+          <a:p>
+            <a:r>
+              <a:rPr lang="fr-CH" dirty="0" smtClean="0"/>
+              <a:t>Architecture globale de l’application</a:t>
+            </a:r>
+            <a:endParaRPr lang="fr-CH" dirty="0"/>
+          </a:p>
+        </p:txBody>
+      </p:sp>
+      <p:sp>
+        <p:nvSpPr>
+          <p:cNvPr id="8" name="Espace réservé du numéro de diapositive 7"/>
+          <p:cNvSpPr>
+            <a:spLocks noGrp="1"/>
+          </p:cNvSpPr>
+          <p:nvPr>
+            <p:ph type="sldNum" sz="quarter" idx="12"/>
+          </p:nvPr>
+        </p:nvSpPr>
+        <p:spPr/>
+        <p:txBody>
+          <a:bodyPr/>
+          <a:lstStyle/>
+          <a:p>
+            <a:fld id="{D57F1E4F-1CFF-5643-939E-217C01CDF565}" type="slidenum">
+              <a:rPr lang="en-US" smtClean="0"/>
+              <a:pPr/>
+              <a:t>15</a:t>
+            </a:fld>
+            <a:endParaRPr lang="en-US" dirty="0"/>
+          </a:p>
+        </p:txBody>
+      </p:sp>
+      <p:sp>
+        <p:nvSpPr>
+          <p:cNvPr id="10" name="Titre 1"/>
+          <p:cNvSpPr txBox="1">
+            <a:spLocks/>
+          </p:cNvSpPr>
+          <p:nvPr/>
+        </p:nvSpPr>
+        <p:spPr>
+          <a:xfrm>
+            <a:off x="3902388" y="1055297"/>
+            <a:ext cx="7055380" cy="1400530"/>
+          </a:xfrm>
+          <a:prstGeom prst="rect">
+            <a:avLst/>
+          </a:prstGeom>
+        </p:spPr>
+        <p:txBody>
+          <a:bodyPr vert="horz" lIns="91440" tIns="45720" rIns="91440" bIns="45720" rtlCol="0" anchor="t">
+            <a:noAutofit/>
+          </a:bodyPr>
+          <a:lstStyle>
+            <a:lvl1pPr algn="l" defTabSz="457207" rtl="0" eaLnBrk="1" latinLnBrk="0" hangingPunct="1">
+              <a:spcBef>
+                <a:spcPct val="0"/>
+              </a:spcBef>
+              <a:buNone/>
+              <a:defRPr sz="4200" b="0" i="0" kern="1200">
+                <a:solidFill>
+                  <a:schemeClr val="tx2"/>
+                </a:solidFill>
+                <a:latin typeface="+mj-lt"/>
+                <a:ea typeface="+mj-ea"/>
+                <a:cs typeface="+mj-cs"/>
+              </a:defRPr>
+            </a:lvl1pPr>
+            <a:lvl2pPr eaLnBrk="1" hangingPunct="1">
+              <a:defRPr>
+                <a:solidFill>
+                  <a:schemeClr val="tx2"/>
+                </a:solidFill>
+              </a:defRPr>
+            </a:lvl2pPr>
+            <a:lvl3pPr eaLnBrk="1" hangingPunct="1">
+              <a:defRPr>
+                <a:solidFill>
+                  <a:schemeClr val="tx2"/>
+                </a:solidFill>
+              </a:defRPr>
+            </a:lvl3pPr>
+            <a:lvl4pPr eaLnBrk="1" hangingPunct="1">
+              <a:defRPr>
+                <a:solidFill>
+                  <a:schemeClr val="tx2"/>
+                </a:solidFill>
+              </a:defRPr>
+            </a:lvl4pPr>
+            <a:lvl5pPr eaLnBrk="1" hangingPunct="1">
+              <a:defRPr>
+                <a:solidFill>
+                  <a:schemeClr val="tx2"/>
+                </a:solidFill>
+              </a:defRPr>
+            </a:lvl5pPr>
+            <a:lvl6pPr eaLnBrk="1" hangingPunct="1">
+              <a:defRPr>
+                <a:solidFill>
+                  <a:schemeClr val="tx2"/>
+                </a:solidFill>
+              </a:defRPr>
+            </a:lvl6pPr>
+            <a:lvl7pPr eaLnBrk="1" hangingPunct="1">
+              <a:defRPr>
+                <a:solidFill>
+                  <a:schemeClr val="tx2"/>
+                </a:solidFill>
+              </a:defRPr>
+            </a:lvl7pPr>
+            <a:lvl8pPr eaLnBrk="1" hangingPunct="1">
+              <a:defRPr>
+                <a:solidFill>
+                  <a:schemeClr val="tx2"/>
+                </a:solidFill>
+              </a:defRPr>
+            </a:lvl8pPr>
+            <a:lvl9pPr eaLnBrk="1" hangingPunct="1">
+              <a:defRPr>
+                <a:solidFill>
+                  <a:schemeClr val="tx2"/>
+                </a:solidFill>
+              </a:defRPr>
+            </a:lvl9pPr>
+          </a:lstStyle>
+          <a:p>
+            <a:r>
+              <a:rPr lang="fr-CH" sz="1400" dirty="0" smtClean="0"/>
+              <a:t>Synchronisation</a:t>
+            </a:r>
+            <a:endParaRPr lang="fr-CH" sz="1400" dirty="0"/>
+          </a:p>
+        </p:txBody>
+      </p:sp>
+      <p:sp>
+        <p:nvSpPr>
+          <p:cNvPr id="3" name="Espace réservé du contenu 2"/>
+          <p:cNvSpPr>
+            <a:spLocks noGrp="1"/>
+          </p:cNvSpPr>
+          <p:nvPr>
+            <p:ph idx="1"/>
+          </p:nvPr>
+        </p:nvSpPr>
+        <p:spPr/>
+        <p:txBody>
+          <a:bodyPr/>
+          <a:lstStyle/>
+          <a:p>
+            <a:pPr marL="343080" indent="-341640">
+              <a:buClr>
+                <a:srgbClr val="57A8E8"/>
+              </a:buClr>
+            </a:pPr>
+            <a:r>
+              <a:rPr lang="fr-CH" spc="-1" dirty="0" smtClean="0">
+                <a:solidFill>
+                  <a:srgbClr val="FFFFFF"/>
+                </a:solidFill>
+                <a:uFill>
+                  <a:solidFill>
+                    <a:srgbClr val="FFFFFF"/>
+                  </a:solidFill>
+                </a:uFill>
+                <a:ea typeface="DejaVu Sans"/>
+              </a:rPr>
+              <a:t>Un protocole simple</a:t>
+            </a:r>
+            <a:endParaRPr lang="fr-CH" dirty="0"/>
+          </a:p>
+          <a:p>
+            <a:pPr marL="343080" indent="-341640">
+              <a:buClr>
+                <a:srgbClr val="57A8E8"/>
+              </a:buClr>
+            </a:pPr>
+            <a:r>
+              <a:rPr lang="fr-CH" spc="-1" dirty="0" smtClean="0">
+                <a:solidFill>
+                  <a:srgbClr val="FFFFFF"/>
+                </a:solidFill>
+                <a:uFill>
+                  <a:solidFill>
+                    <a:srgbClr val="FFFFFF"/>
+                  </a:solidFill>
+                </a:uFill>
+                <a:ea typeface="DejaVu Sans"/>
+              </a:rPr>
+              <a:t>Communication point à point entre les utilisateurs</a:t>
+            </a:r>
+          </a:p>
+          <a:p>
+            <a:pPr marL="343080" indent="-341640">
+              <a:buClr>
+                <a:srgbClr val="57A8E8"/>
+              </a:buClr>
+            </a:pPr>
+            <a:r>
+              <a:rPr lang="fr-CH" spc="-1" dirty="0" smtClean="0">
+                <a:solidFill>
+                  <a:srgbClr val="FFFFFF"/>
+                </a:solidFill>
+                <a:uFill>
+                  <a:solidFill>
+                    <a:srgbClr val="FFFFFF"/>
+                  </a:solidFill>
+                </a:uFill>
+              </a:rPr>
+              <a:t>Play, pause, set time</a:t>
+            </a:r>
+          </a:p>
+          <a:p>
+            <a:pPr marL="343080" indent="-341640">
+              <a:buClr>
+                <a:srgbClr val="57A8E8"/>
+              </a:buClr>
+            </a:pPr>
+            <a:r>
+              <a:rPr lang="fr-CH" spc="-1" dirty="0" smtClean="0">
+                <a:solidFill>
+                  <a:srgbClr val="FFFFFF"/>
+                </a:solidFill>
+                <a:uFill>
+                  <a:solidFill>
+                    <a:srgbClr val="FFFFFF"/>
+                  </a:solidFill>
+                </a:uFill>
+              </a:rPr>
+              <a:t>Une interface implémentée par les contrôleurs du lecteur vidéo et du lecteur audio</a:t>
+            </a:r>
+            <a:endParaRPr lang="fr-CH" dirty="0"/>
+          </a:p>
+        </p:txBody>
+      </p:sp>
+    </p:spTree>
+    <p:extLst>
+      <p:ext uri="{BB962C8B-B14F-4D97-AF65-F5344CB8AC3E}">
+        <p14:creationId xmlns:p14="http://schemas.microsoft.com/office/powerpoint/2010/main" val="1513049528"/>
+      </p:ext>
+    </p:extLst>
+  </p:cSld>
+  <p:clrMapOvr>
+    <a:masterClrMapping/>
+  </p:clrMapOvr>
+  <p:timing>
+    <p:tnLst>
+      <p:par>
+        <p:cTn id="1" dur="indefinite" restart="never" nodeType="tmRoot">
+          <p:childTnLst>
+            <p:seq concurrent="1" nextAc="seek">
+              <p:cTn id="2" dur="indefinite" nodeType="mainSeq">
+                <p:childTnLst>
+                  <p:par>
+                    <p:cTn id="3" fill="hold">
+                      <p:stCondLst>
+                        <p:cond delay="indefinite"/>
+                      </p:stCondLst>
+                      <p:childTnLst>
+                        <p:par>
+                          <p:cTn id="4" fill="hold">
+                            <p:stCondLst>
+                              <p:cond delay="0"/>
+                            </p:stCondLst>
+                            <p:childTnLst>
+                              <p:par>
+                                <p:cTn id="5" presetID="42" presetClass="entr" presetSubtype="0" fill="hold" grpId="0" nodeType="clickEffect">
+                                  <p:stCondLst>
+                                    <p:cond delay="0"/>
+                                  </p:stCondLst>
+                                  <p:childTnLst>
+                                    <p:set>
+                                      <p:cBhvr>
+                                        <p:cTn id="6" dur="1" fill="hold">
+                                          <p:stCondLst>
+                                            <p:cond delay="0"/>
+                                          </p:stCondLst>
+                                        </p:cTn>
+                                        <p:tgtEl>
+                                          <p:spTgt spid="3">
+                                            <p:txEl>
+                                              <p:pRg st="0" end="0"/>
+                                            </p:txEl>
+                                          </p:spTgt>
+                                        </p:tgtEl>
+                                        <p:attrNameLst>
+                                          <p:attrName>style.visibility</p:attrName>
+                                        </p:attrNameLst>
+                                      </p:cBhvr>
+                                      <p:to>
+                                        <p:strVal val="visible"/>
+                                      </p:to>
+                                    </p:set>
+                                    <p:animEffect transition="in" filter="fade">
+                                      <p:cBhvr>
+                                        <p:cTn id="7" dur="1000"/>
+                                        <p:tgtEl>
+                                          <p:spTgt spid="3">
+                                            <p:txEl>
+                                              <p:pRg st="0" end="0"/>
+                                            </p:txEl>
+                                          </p:spTgt>
+                                        </p:tgtEl>
+                                      </p:cBhvr>
+                                    </p:animEffect>
+                                    <p:anim calcmode="lin" valueType="num">
+                                      <p:cBhvr>
+                                        <p:cTn id="8" dur="1000" fill="hold"/>
+                                        <p:tgtEl>
+                                          <p:spTgt spid="3">
+                                            <p:txEl>
+                                              <p:pRg st="0" end="0"/>
+                                            </p:txEl>
+                                          </p:spTgt>
+                                        </p:tgtEl>
+                                        <p:attrNameLst>
+                                          <p:attrName>ppt_x</p:attrName>
+                                        </p:attrNameLst>
+                                      </p:cBhvr>
+                                      <p:tavLst>
+                                        <p:tav tm="0">
+                                          <p:val>
+                                            <p:strVal val="#ppt_x"/>
+                                          </p:val>
+                                        </p:tav>
+                                        <p:tav tm="100000">
+                                          <p:val>
+                                            <p:strVal val="#ppt_x"/>
+                                          </p:val>
+                                        </p:tav>
+                                      </p:tavLst>
+                                    </p:anim>
+                                    <p:anim calcmode="lin" valueType="num">
+                                      <p:cBhvr>
+                                        <p:cTn id="9" dur="1000" fill="hold"/>
+                                        <p:tgtEl>
+                                          <p:spTgt spid="3">
+                                            <p:txEl>
+                                              <p:pRg st="0" end="0"/>
+                                            </p:txEl>
+                                          </p:spTgt>
+                                        </p:tgtEl>
+                                        <p:attrNameLst>
+                                          <p:attrName>ppt_y</p:attrName>
+                                        </p:attrNameLst>
+                                      </p:cBhvr>
+                                      <p:tavLst>
+                                        <p:tav tm="0">
+                                          <p:val>
+                                            <p:strVal val="#ppt_y+.1"/>
+                                          </p:val>
+                                        </p:tav>
+                                        <p:tav tm="100000">
+                                          <p:val>
+                                            <p:strVal val="#ppt_y"/>
+                                          </p:val>
+                                        </p:tav>
+                                      </p:tavLst>
+                                    </p:anim>
+                                  </p:childTnLst>
+                                </p:cTn>
+                              </p:par>
+                            </p:childTnLst>
+                          </p:cTn>
+                        </p:par>
+                      </p:childTnLst>
+                    </p:cTn>
+                  </p:par>
+                  <p:par>
+                    <p:cTn id="10" fill="hold">
+                      <p:stCondLst>
+                        <p:cond delay="indefinite"/>
+                      </p:stCondLst>
+                      <p:childTnLst>
+                        <p:par>
+                          <p:cTn id="11" fill="hold">
+                            <p:stCondLst>
+                              <p:cond delay="0"/>
+                            </p:stCondLst>
+                            <p:childTnLst>
+                              <p:par>
+                                <p:cTn id="12" presetID="42" presetClass="entr" presetSubtype="0" fill="hold" grpId="0" nodeType="clickEffect">
+                                  <p:stCondLst>
+                                    <p:cond delay="0"/>
+                                  </p:stCondLst>
+                                  <p:childTnLst>
+                                    <p:set>
+                                      <p:cBhvr>
+                                        <p:cTn id="13" dur="1" fill="hold">
+                                          <p:stCondLst>
+                                            <p:cond delay="0"/>
+                                          </p:stCondLst>
+                                        </p:cTn>
+                                        <p:tgtEl>
+                                          <p:spTgt spid="3">
+                                            <p:txEl>
+                                              <p:pRg st="1" end="1"/>
+                                            </p:txEl>
+                                          </p:spTgt>
+                                        </p:tgtEl>
+                                        <p:attrNameLst>
+                                          <p:attrName>style.visibility</p:attrName>
+                                        </p:attrNameLst>
+                                      </p:cBhvr>
+                                      <p:to>
+                                        <p:strVal val="visible"/>
+                                      </p:to>
+                                    </p:set>
+                                    <p:animEffect transition="in" filter="fade">
+                                      <p:cBhvr>
+                                        <p:cTn id="14" dur="1000"/>
+                                        <p:tgtEl>
+                                          <p:spTgt spid="3">
+                                            <p:txEl>
+                                              <p:pRg st="1" end="1"/>
+                                            </p:txEl>
+                                          </p:spTgt>
+                                        </p:tgtEl>
+                                      </p:cBhvr>
+                                    </p:animEffect>
+                                    <p:anim calcmode="lin" valueType="num">
+                                      <p:cBhvr>
+                                        <p:cTn id="15" dur="1000" fill="hold"/>
+                                        <p:tgtEl>
+                                          <p:spTgt spid="3">
+                                            <p:txEl>
+                                              <p:pRg st="1" end="1"/>
+                                            </p:txEl>
+                                          </p:spTgt>
+                                        </p:tgtEl>
+                                        <p:attrNameLst>
+                                          <p:attrName>ppt_x</p:attrName>
+                                        </p:attrNameLst>
+                                      </p:cBhvr>
+                                      <p:tavLst>
+                                        <p:tav tm="0">
+                                          <p:val>
+                                            <p:strVal val="#ppt_x"/>
+                                          </p:val>
+                                        </p:tav>
+                                        <p:tav tm="100000">
+                                          <p:val>
+                                            <p:strVal val="#ppt_x"/>
+                                          </p:val>
+                                        </p:tav>
+                                      </p:tavLst>
+                                    </p:anim>
+                                    <p:anim calcmode="lin" valueType="num">
+                                      <p:cBhvr>
+                                        <p:cTn id="16" dur="1000" fill="hold"/>
+                                        <p:tgtEl>
+                                          <p:spTgt spid="3">
+                                            <p:txEl>
+                                              <p:pRg st="1" end="1"/>
+                                            </p:txEl>
+                                          </p:spTgt>
+                                        </p:tgtEl>
+                                        <p:attrNameLst>
+                                          <p:attrName>ppt_y</p:attrName>
+                                        </p:attrNameLst>
+                                      </p:cBhvr>
+                                      <p:tavLst>
+                                        <p:tav tm="0">
+                                          <p:val>
+                                            <p:strVal val="#ppt_y+.1"/>
+                                          </p:val>
+                                        </p:tav>
+                                        <p:tav tm="100000">
+                                          <p:val>
+                                            <p:strVal val="#ppt_y"/>
+                                          </p:val>
+                                        </p:tav>
+                                      </p:tavLst>
+                                    </p:anim>
+                                  </p:childTnLst>
+                                </p:cTn>
+                              </p:par>
+                            </p:childTnLst>
+                          </p:cTn>
+                        </p:par>
+                      </p:childTnLst>
+                    </p:cTn>
+                  </p:par>
+                  <p:par>
+                    <p:cTn id="17" fill="hold">
+                      <p:stCondLst>
+                        <p:cond delay="indefinite"/>
+                      </p:stCondLst>
+                      <p:childTnLst>
+                        <p:par>
+                          <p:cTn id="18" fill="hold">
+                            <p:stCondLst>
+                              <p:cond delay="0"/>
+                            </p:stCondLst>
+                            <p:childTnLst>
+                              <p:par>
+                                <p:cTn id="19" presetID="42" presetClass="entr" presetSubtype="0" fill="hold" grpId="0" nodeType="clickEffect">
+                                  <p:stCondLst>
+                                    <p:cond delay="0"/>
+                                  </p:stCondLst>
+                                  <p:childTnLst>
+                                    <p:set>
+                                      <p:cBhvr>
+                                        <p:cTn id="20" dur="1" fill="hold">
+                                          <p:stCondLst>
+                                            <p:cond delay="0"/>
+                                          </p:stCondLst>
+                                        </p:cTn>
+                                        <p:tgtEl>
+                                          <p:spTgt spid="3">
+                                            <p:txEl>
+                                              <p:pRg st="2" end="2"/>
+                                            </p:txEl>
+                                          </p:spTgt>
+                                        </p:tgtEl>
+                                        <p:attrNameLst>
+                                          <p:attrName>style.visibility</p:attrName>
+                                        </p:attrNameLst>
+                                      </p:cBhvr>
+                                      <p:to>
+                                        <p:strVal val="visible"/>
+                                      </p:to>
+                                    </p:set>
+                                    <p:animEffect transition="in" filter="fade">
+                                      <p:cBhvr>
+                                        <p:cTn id="21" dur="1000"/>
+                                        <p:tgtEl>
+                                          <p:spTgt spid="3">
+                                            <p:txEl>
+                                              <p:pRg st="2" end="2"/>
+                                            </p:txEl>
+                                          </p:spTgt>
+                                        </p:tgtEl>
+                                      </p:cBhvr>
+                                    </p:animEffect>
+                                    <p:anim calcmode="lin" valueType="num">
+                                      <p:cBhvr>
+                                        <p:cTn id="22" dur="1000" fill="hold"/>
+                                        <p:tgtEl>
+                                          <p:spTgt spid="3">
+                                            <p:txEl>
+                                              <p:pRg st="2" end="2"/>
+                                            </p:txEl>
+                                          </p:spTgt>
+                                        </p:tgtEl>
+                                        <p:attrNameLst>
+                                          <p:attrName>ppt_x</p:attrName>
+                                        </p:attrNameLst>
+                                      </p:cBhvr>
+                                      <p:tavLst>
+                                        <p:tav tm="0">
+                                          <p:val>
+                                            <p:strVal val="#ppt_x"/>
+                                          </p:val>
+                                        </p:tav>
+                                        <p:tav tm="100000">
+                                          <p:val>
+                                            <p:strVal val="#ppt_x"/>
+                                          </p:val>
+                                        </p:tav>
+                                      </p:tavLst>
+                                    </p:anim>
+                                    <p:anim calcmode="lin" valueType="num">
+                                      <p:cBhvr>
+                                        <p:cTn id="23" dur="1000" fill="hold"/>
+                                        <p:tgtEl>
+                                          <p:spTgt spid="3">
+                                            <p:txEl>
+                                              <p:pRg st="2" end="2"/>
+                                            </p:txEl>
+                                          </p:spTgt>
+                                        </p:tgtEl>
+                                        <p:attrNameLst>
+                                          <p:attrName>ppt_y</p:attrName>
+                                        </p:attrNameLst>
+                                      </p:cBhvr>
+                                      <p:tavLst>
+                                        <p:tav tm="0">
+                                          <p:val>
+                                            <p:strVal val="#ppt_y+.1"/>
+                                          </p:val>
+                                        </p:tav>
+                                        <p:tav tm="100000">
+                                          <p:val>
+                                            <p:strVal val="#ppt_y"/>
+                                          </p:val>
+                                        </p:tav>
+                                      </p:tavLst>
+                                    </p:anim>
+                                  </p:childTnLst>
+                                </p:cTn>
+                              </p:par>
+                            </p:childTnLst>
+                          </p:cTn>
+                        </p:par>
+                      </p:childTnLst>
+                    </p:cTn>
+                  </p:par>
+                  <p:par>
+                    <p:cTn id="24" fill="hold">
+                      <p:stCondLst>
+                        <p:cond delay="indefinite"/>
+                      </p:stCondLst>
+                      <p:childTnLst>
+                        <p:par>
+                          <p:cTn id="25" fill="hold">
+                            <p:stCondLst>
+                              <p:cond delay="0"/>
+                            </p:stCondLst>
+                            <p:childTnLst>
+                              <p:par>
+                                <p:cTn id="26" presetID="42" presetClass="entr" presetSubtype="0" fill="hold" grpId="0" nodeType="clickEffect">
+                                  <p:stCondLst>
+                                    <p:cond delay="0"/>
+                                  </p:stCondLst>
+                                  <p:childTnLst>
+                                    <p:set>
+                                      <p:cBhvr>
+                                        <p:cTn id="27" dur="1" fill="hold">
+                                          <p:stCondLst>
+                                            <p:cond delay="0"/>
+                                          </p:stCondLst>
+                                        </p:cTn>
+                                        <p:tgtEl>
+                                          <p:spTgt spid="3">
+                                            <p:txEl>
+                                              <p:pRg st="3" end="3"/>
+                                            </p:txEl>
+                                          </p:spTgt>
+                                        </p:tgtEl>
+                                        <p:attrNameLst>
+                                          <p:attrName>style.visibility</p:attrName>
+                                        </p:attrNameLst>
+                                      </p:cBhvr>
+                                      <p:to>
+                                        <p:strVal val="visible"/>
+                                      </p:to>
+                                    </p:set>
+                                    <p:animEffect transition="in" filter="fade">
+                                      <p:cBhvr>
+                                        <p:cTn id="28" dur="1000"/>
+                                        <p:tgtEl>
+                                          <p:spTgt spid="3">
+                                            <p:txEl>
+                                              <p:pRg st="3" end="3"/>
+                                            </p:txEl>
+                                          </p:spTgt>
+                                        </p:tgtEl>
+                                      </p:cBhvr>
+                                    </p:animEffect>
+                                    <p:anim calcmode="lin" valueType="num">
+                                      <p:cBhvr>
+                                        <p:cTn id="29" dur="1000" fill="hold"/>
+                                        <p:tgtEl>
+                                          <p:spTgt spid="3">
+                                            <p:txEl>
+                                              <p:pRg st="3" end="3"/>
+                                            </p:txEl>
+                                          </p:spTgt>
+                                        </p:tgtEl>
+                                        <p:attrNameLst>
+                                          <p:attrName>ppt_x</p:attrName>
+                                        </p:attrNameLst>
+                                      </p:cBhvr>
+                                      <p:tavLst>
+                                        <p:tav tm="0">
+                                          <p:val>
+                                            <p:strVal val="#ppt_x"/>
+                                          </p:val>
+                                        </p:tav>
+                                        <p:tav tm="100000">
+                                          <p:val>
+                                            <p:strVal val="#ppt_x"/>
+                                          </p:val>
+                                        </p:tav>
+                                      </p:tavLst>
+                                    </p:anim>
+                                    <p:anim calcmode="lin" valueType="num">
+                                      <p:cBhvr>
+                                        <p:cTn id="30" dur="1000" fill="hold"/>
+                                        <p:tgtEl>
+                                          <p:spTgt spid="3">
+                                            <p:txEl>
+                                              <p:pRg st="3" end="3"/>
+                                            </p:txEl>
+                                          </p:spTgt>
+                                        </p:tgtEl>
+                                        <p:attrNameLst>
+                                          <p:attrName>ppt_y</p:attrName>
+                                        </p:attrNameLst>
+                                      </p:cBhvr>
+                                      <p:tavLst>
+                                        <p:tav tm="0">
+                                          <p:val>
+                                            <p:strVal val="#ppt_y+.1"/>
+                                          </p:val>
+                                        </p:tav>
+                                        <p:tav tm="100000">
+                                          <p:val>
+                                            <p:strVal val="#ppt_y"/>
+                                          </p:val>
+                                        </p:tav>
+                                      </p:tavLst>
+                                    </p:anim>
+                                  </p:childTnLst>
+                                </p:cTn>
+                              </p:par>
+                            </p:childTnLst>
+                          </p:cTn>
+                        </p:par>
+                      </p:childTnLst>
+                    </p:cTn>
+                  </p:par>
+                </p:childTnLst>
+              </p:cTn>
+              <p:prevCondLst>
+                <p:cond evt="onPrev" delay="0">
+                  <p:tgtEl>
+                    <p:sldTgt/>
+                  </p:tgtEl>
+                </p:cond>
+              </p:prevCondLst>
+              <p:nextCondLst>
+                <p:cond evt="onNext" delay="0">
+                  <p:tgtEl>
+                    <p:sldTgt/>
+                  </p:tgtEl>
+                </p:cond>
+              </p:nextCondLst>
+            </p:seq>
+          </p:childTnLst>
+        </p:cTn>
+      </p:par>
+    </p:tnLst>
+    <p:bldLst>
+      <p:bldP spid="3" grpId="0" build="p"/>
+    </p:bldLst>
+  </p:timing>
+</p:sld>
+</file>
+
+<file path=ppt/slides/slide16.xml><?xml version="1.0" encoding="utf-8"?>
+<p:sld xmlns:a="http://schemas.openxmlformats.org/drawingml/2006/main" xmlns:r="http://schemas.openxmlformats.org/officeDocument/2006/relationships" xmlns:p="http://schemas.openxmlformats.org/presentationml/2006/main">
+  <p:cSld>
+    <p:spTree>
+      <p:nvGrpSpPr>
+        <p:cNvPr id="1" name=""/>
+        <p:cNvGrpSpPr/>
+        <p:nvPr/>
+      </p:nvGrpSpPr>
+      <p:grpSpPr>
+        <a:xfrm>
+          <a:off x="0" y="0"/>
+          <a:ext cx="0" cy="0"/>
+          <a:chOff x="0" y="0"/>
+          <a:chExt cx="0" cy="0"/>
+        </a:xfrm>
+      </p:grpSpPr>
+      <p:sp>
+        <p:nvSpPr>
+          <p:cNvPr id="2" name="Titre 1"/>
+          <p:cNvSpPr>
+            <a:spLocks noGrp="1"/>
+          </p:cNvSpPr>
+          <p:nvPr>
             <p:ph type="ctrTitle"/>
           </p:nvPr>
         </p:nvSpPr>
@@ -11877,7 +12657,7 @@
             <a:fld id="{D57F1E4F-1CFF-5643-939E-217C01CDF565}" type="slidenum">
               <a:rPr lang="en-US" smtClean="0"/>
               <a:pPr/>
-              <a:t>15</a:t>
+              <a:t>16</a:t>
             </a:fld>
             <a:endParaRPr lang="en-US" dirty="0"/>
           </a:p>
@@ -11923,17 +12703,10 @@
   <p:clrMapOvr>
     <a:masterClrMapping/>
   </p:clrMapOvr>
-  <p:timing>
-    <p:tnLst>
-      <p:par>
-        <p:cTn id="1" dur="indefinite" restart="never" nodeType="tmRoot"/>
-      </p:par>
-    </p:tnLst>
-  </p:timing>
 </p:sld>
 </file>
 
-<file path=ppt/slides/slide16.xml><?xml version="1.0" encoding="utf-8"?>
+<file path=ppt/slides/slide17.xml><?xml version="1.0" encoding="utf-8"?>
 <p:sld xmlns:a="http://schemas.openxmlformats.org/drawingml/2006/main" xmlns:r="http://schemas.openxmlformats.org/officeDocument/2006/relationships" xmlns:p="http://schemas.openxmlformats.org/presentationml/2006/main">
   <p:cSld>
     <p:spTree>
@@ -11995,7 +12768,7 @@
             <a:fld id="{D57F1E4F-1CFF-5643-939E-217C01CDF565}" type="slidenum">
               <a:rPr lang="en-US" smtClean="0"/>
               <a:pPr/>
-              <a:t>16</a:t>
+              <a:t>17</a:t>
             </a:fld>
             <a:endParaRPr lang="en-US" dirty="0"/>
           </a:p>
@@ -12830,124 +13603,6 @@
     <p:bldLst>
       <p:bldP spid="3" grpId="0" build="p"/>
     </p:bldLst>
-  </p:timing>
-</p:sld>
-</file>
-
-<file path=ppt/slides/slide17.xml><?xml version="1.0" encoding="utf-8"?>
-<p:sld xmlns:a="http://schemas.openxmlformats.org/drawingml/2006/main" xmlns:r="http://schemas.openxmlformats.org/officeDocument/2006/relationships" xmlns:p="http://schemas.openxmlformats.org/presentationml/2006/main">
-  <p:cSld>
-    <p:spTree>
-      <p:nvGrpSpPr>
-        <p:cNvPr id="1" name=""/>
-        <p:cNvGrpSpPr/>
-        <p:nvPr/>
-      </p:nvGrpSpPr>
-      <p:grpSpPr>
-        <a:xfrm>
-          <a:off x="0" y="0"/>
-          <a:ext cx="0" cy="0"/>
-          <a:chOff x="0" y="0"/>
-          <a:chExt cx="0" cy="0"/>
-        </a:xfrm>
-      </p:grpSpPr>
-      <p:sp>
-        <p:nvSpPr>
-          <p:cNvPr id="2" name="Titre 1"/>
-          <p:cNvSpPr>
-            <a:spLocks noGrp="1"/>
-          </p:cNvSpPr>
-          <p:nvPr>
-            <p:ph type="ctrTitle"/>
-          </p:nvPr>
-        </p:nvSpPr>
-        <p:spPr>
-          <a:xfrm>
-            <a:off x="866441" y="1447801"/>
-            <a:ext cx="7415113" cy="3329581"/>
-          </a:xfrm>
-        </p:spPr>
-        <p:txBody>
-          <a:bodyPr/>
-          <a:lstStyle/>
-          <a:p>
-            <a:r>
-              <a:rPr lang="fr-CH" dirty="0"/>
-              <a:t>Problèmes connus</a:t>
-            </a:r>
-          </a:p>
-        </p:txBody>
-      </p:sp>
-      <p:sp>
-        <p:nvSpPr>
-          <p:cNvPr id="4" name="Espace réservé du numéro de diapositive 3"/>
-          <p:cNvSpPr>
-            <a:spLocks noGrp="1"/>
-          </p:cNvSpPr>
-          <p:nvPr>
-            <p:ph type="sldNum" sz="quarter" idx="12"/>
-          </p:nvPr>
-        </p:nvSpPr>
-        <p:spPr/>
-        <p:txBody>
-          <a:bodyPr/>
-          <a:lstStyle/>
-          <a:p>
-            <a:fld id="{D57F1E4F-1CFF-5643-939E-217C01CDF565}" type="slidenum">
-              <a:rPr lang="en-US" smtClean="0"/>
-              <a:pPr/>
-              <a:t>17</a:t>
-            </a:fld>
-            <a:endParaRPr lang="en-US" dirty="0"/>
-          </a:p>
-        </p:txBody>
-      </p:sp>
-      <p:pic>
-        <p:nvPicPr>
-          <p:cNvPr id="5" name="Image 4"/>
-          <p:cNvPicPr>
-            <a:picLocks noChangeAspect="1"/>
-          </p:cNvPicPr>
-          <p:nvPr/>
-        </p:nvPicPr>
-        <p:blipFill>
-          <a:blip r:embed="rId2">
-            <a:extLst>
-              <a:ext uri="{28A0092B-C50C-407E-A947-70E740481C1C}">
-                <a14:useLocalDpi xmlns:a14="http://schemas.microsoft.com/office/drawing/2010/main" val="0"/>
-              </a:ext>
-            </a:extLst>
-          </a:blip>
-          <a:stretch>
-            <a:fillRect/>
-          </a:stretch>
-        </p:blipFill>
-        <p:spPr>
-          <a:xfrm>
-            <a:off x="4314225" y="4120686"/>
-            <a:ext cx="5229546" cy="2941620"/>
-          </a:xfrm>
-          <a:prstGeom prst="rect">
-            <a:avLst/>
-          </a:prstGeom>
-        </p:spPr>
-      </p:pic>
-    </p:spTree>
-    <p:extLst>
-      <p:ext uri="{BB962C8B-B14F-4D97-AF65-F5344CB8AC3E}">
-        <p14:creationId xmlns:p14="http://schemas.microsoft.com/office/powerpoint/2010/main" val="3378639363"/>
-      </p:ext>
-    </p:extLst>
-  </p:cSld>
-  <p:clrMapOvr>
-    <a:masterClrMapping/>
-  </p:clrMapOvr>
-  <p:timing>
-    <p:tnLst>
-      <p:par>
-        <p:cTn id="1" dur="indefinite" restart="never" nodeType="tmRoot"/>
-      </p:par>
-    </p:tnLst>
   </p:timing>
 </p:sld>
 </file>
@@ -12991,7 +13646,7 @@
           <a:p>
             <a:r>
               <a:rPr lang="fr-CH" dirty="0"/>
-              <a:t>Problèmes connus</a:t>
+              <a:t>Principales difficultés rencontrées</a:t>
             </a:r>
           </a:p>
         </p:txBody>
@@ -13036,42 +13691,50 @@
           <a:lstStyle/>
           <a:p>
             <a:r>
-              <a:rPr lang="fr-CH" dirty="0"/>
-              <a:t>Impossible de quitter la synchronisation en mode vidéo</a:t>
-            </a:r>
-          </a:p>
-          <a:p>
+              <a:rPr lang="fr-CH" dirty="0" smtClean="0"/>
+              <a:t>Implémentation du lecteur vidéo</a:t>
+            </a:r>
+          </a:p>
+          <a:p>
+            <a:pPr lvl="1"/>
+            <a:r>
+              <a:rPr lang="fr-CH" dirty="0" smtClean="0"/>
+              <a:t>Difficile avec </a:t>
+            </a:r>
+            <a:r>
+              <a:rPr lang="fr-CH" dirty="0" err="1" smtClean="0"/>
+              <a:t>JavaFx</a:t>
+            </a:r>
+            <a:endParaRPr lang="fr-CH" dirty="0" smtClean="0"/>
+          </a:p>
+          <a:p>
+            <a:pPr lvl="1"/>
+            <a:r>
+              <a:rPr lang="fr-CH" dirty="0" smtClean="0"/>
+              <a:t>Problème d’overlay</a:t>
+            </a:r>
+          </a:p>
+          <a:p>
+            <a:pPr lvl="1"/>
+            <a:r>
+              <a:rPr lang="fr-CH" dirty="0" smtClean="0"/>
+              <a:t>Mode plein écran</a:t>
+            </a:r>
+          </a:p>
+          <a:p>
+            <a:pPr lvl="1"/>
+            <a:r>
+              <a:rPr lang="fr-CH" dirty="0" smtClean="0"/>
+              <a:t>Swing</a:t>
+            </a:r>
             <a:endParaRPr lang="fr-CH" dirty="0"/>
-          </a:p>
-          <a:p>
-            <a:r>
-              <a:rPr lang="fr-CH" dirty="0"/>
-              <a:t>Pas de contrôle de la collection lorsque l’application est lancée</a:t>
-            </a:r>
-          </a:p>
-          <a:p>
-            <a:endParaRPr lang="fr-CH" dirty="0"/>
-          </a:p>
-          <a:p>
-            <a:r>
-              <a:rPr lang="fr-CH" dirty="0"/>
-              <a:t>Les processus ne se </a:t>
-            </a:r>
-            <a:r>
-              <a:rPr lang="fr-CH" dirty="0" smtClean="0"/>
-              <a:t>forment </a:t>
-            </a:r>
-            <a:r>
-              <a:rPr lang="fr-CH" dirty="0"/>
-              <a:t>pas correctement lors de la fermeture de l’application</a:t>
-            </a:r>
           </a:p>
         </p:txBody>
       </p:sp>
     </p:spTree>
     <p:extLst>
       <p:ext uri="{BB962C8B-B14F-4D97-AF65-F5344CB8AC3E}">
-        <p14:creationId xmlns:p14="http://schemas.microsoft.com/office/powerpoint/2010/main" val="925607688"/>
+        <p14:creationId xmlns:p14="http://schemas.microsoft.com/office/powerpoint/2010/main" val="3398199881"/>
       </p:ext>
     </p:extLst>
   </p:cSld>
@@ -13195,33 +13858,15 @@
                                   </p:childTnLst>
                                 </p:cTn>
                               </p:par>
-                            </p:childTnLst>
-                          </p:cTn>
-                        </p:par>
-                      </p:childTnLst>
-                    </p:cTn>
-                  </p:par>
-                  <p:par>
-                    <p:cTn id="10" fill="hold">
-                      <p:stCondLst>
-                        <p:cond delay="indefinite"/>
-                      </p:stCondLst>
-                      <p:childTnLst>
-                        <p:par>
-                          <p:cTn id="11" fill="hold">
-                            <p:stCondLst>
-                              <p:cond delay="0"/>
-                            </p:stCondLst>
-                            <p:childTnLst>
                               <p:par>
-                                <p:cTn id="12" presetID="42" presetClass="entr" presetSubtype="0" fill="hold" grpId="0" nodeType="clickEffect">
+                                <p:cTn id="10" presetID="42" presetClass="entr" presetSubtype="0" fill="hold" grpId="0" nodeType="withEffect">
                                   <p:stCondLst>
                                     <p:cond delay="0"/>
                                   </p:stCondLst>
                                   <p:childTnLst>
                                     <p:set>
                                       <p:cBhvr>
-                                        <p:cTn id="13" dur="1" fill="hold">
+                                        <p:cTn id="11" dur="1" fill="hold">
                                           <p:stCondLst>
                                             <p:cond delay="0"/>
                                           </p:stCondLst>
@@ -13229,7 +13874,7 @@
                                         <p:tgtEl>
                                           <p:spTgt spid="3">
                                             <p:txEl>
-                                              <p:pRg st="2" end="2"/>
+                                              <p:pRg st="1" end="1"/>
                                             </p:txEl>
                                           </p:spTgt>
                                         </p:tgtEl>
@@ -13243,11 +13888,11 @@
                                     </p:set>
                                     <p:animEffect transition="in" filter="fade">
                                       <p:cBhvr>
-                                        <p:cTn id="14" dur="1000"/>
-                                        <p:tgtEl>
-                                          <p:spTgt spid="3">
-                                            <p:txEl>
-                                              <p:pRg st="2" end="2"/>
+                                        <p:cTn id="12" dur="1000"/>
+                                        <p:tgtEl>
+                                          <p:spTgt spid="3">
+                                            <p:txEl>
+                                              <p:pRg st="1" end="1"/>
                                             </p:txEl>
                                           </p:spTgt>
                                         </p:tgtEl>
@@ -13255,11 +13900,11 @@
                                     </p:animEffect>
                                     <p:anim calcmode="lin" valueType="num">
                                       <p:cBhvr>
-                                        <p:cTn id="15" dur="1000" fill="hold"/>
-                                        <p:tgtEl>
-                                          <p:spTgt spid="3">
-                                            <p:txEl>
-                                              <p:pRg st="2" end="2"/>
+                                        <p:cTn id="13" dur="1000" fill="hold"/>
+                                        <p:tgtEl>
+                                          <p:spTgt spid="3">
+                                            <p:txEl>
+                                              <p:pRg st="1" end="1"/>
                                             </p:txEl>
                                           </p:spTgt>
                                         </p:tgtEl>
@@ -13282,11 +13927,11 @@
                                     </p:anim>
                                     <p:anim calcmode="lin" valueType="num">
                                       <p:cBhvr>
-                                        <p:cTn id="16" dur="1000" fill="hold"/>
-                                        <p:tgtEl>
-                                          <p:spTgt spid="3">
-                                            <p:txEl>
-                                              <p:pRg st="2" end="2"/>
+                                        <p:cTn id="14" dur="1000" fill="hold"/>
+                                        <p:tgtEl>
+                                          <p:spTgt spid="3">
+                                            <p:txEl>
+                                              <p:pRg st="1" end="1"/>
                                             </p:txEl>
                                           </p:spTgt>
                                         </p:tgtEl>
@@ -13310,33 +13955,15 @@
                                   </p:childTnLst>
                                 </p:cTn>
                               </p:par>
-                            </p:childTnLst>
-                          </p:cTn>
-                        </p:par>
-                      </p:childTnLst>
-                    </p:cTn>
-                  </p:par>
-                  <p:par>
-                    <p:cTn id="17" fill="hold">
-                      <p:stCondLst>
-                        <p:cond delay="indefinite"/>
-                      </p:stCondLst>
-                      <p:childTnLst>
-                        <p:par>
-                          <p:cTn id="18" fill="hold">
-                            <p:stCondLst>
-                              <p:cond delay="0"/>
-                            </p:stCondLst>
-                            <p:childTnLst>
                               <p:par>
-                                <p:cTn id="19" presetID="42" presetClass="entr" presetSubtype="0" fill="hold" grpId="0" nodeType="clickEffect">
+                                <p:cTn id="15" presetID="42" presetClass="entr" presetSubtype="0" fill="hold" grpId="0" nodeType="withEffect">
                                   <p:stCondLst>
                                     <p:cond delay="0"/>
                                   </p:stCondLst>
                                   <p:childTnLst>
                                     <p:set>
                                       <p:cBhvr>
-                                        <p:cTn id="20" dur="1" fill="hold">
+                                        <p:cTn id="16" dur="1" fill="hold">
                                           <p:stCondLst>
                                             <p:cond delay="0"/>
                                           </p:stCondLst>
@@ -13344,7 +13971,7 @@
                                         <p:tgtEl>
                                           <p:spTgt spid="3">
                                             <p:txEl>
-                                              <p:pRg st="4" end="4"/>
+                                              <p:pRg st="2" end="2"/>
                                             </p:txEl>
                                           </p:spTgt>
                                         </p:tgtEl>
@@ -13358,11 +13985,11 @@
                                     </p:set>
                                     <p:animEffect transition="in" filter="fade">
                                       <p:cBhvr>
-                                        <p:cTn id="21" dur="1000"/>
-                                        <p:tgtEl>
-                                          <p:spTgt spid="3">
-                                            <p:txEl>
-                                              <p:pRg st="4" end="4"/>
+                                        <p:cTn id="17" dur="1000"/>
+                                        <p:tgtEl>
+                                          <p:spTgt spid="3">
+                                            <p:txEl>
+                                              <p:pRg st="2" end="2"/>
                                             </p:txEl>
                                           </p:spTgt>
                                         </p:tgtEl>
@@ -13370,11 +13997,11 @@
                                     </p:animEffect>
                                     <p:anim calcmode="lin" valueType="num">
                                       <p:cBhvr>
-                                        <p:cTn id="22" dur="1000" fill="hold"/>
-                                        <p:tgtEl>
-                                          <p:spTgt spid="3">
-                                            <p:txEl>
-                                              <p:pRg st="4" end="4"/>
+                                        <p:cTn id="18" dur="1000" fill="hold"/>
+                                        <p:tgtEl>
+                                          <p:spTgt spid="3">
+                                            <p:txEl>
+                                              <p:pRg st="2" end="2"/>
                                             </p:txEl>
                                           </p:spTgt>
                                         </p:tgtEl>
@@ -13397,7 +14024,201 @@
                                     </p:anim>
                                     <p:anim calcmode="lin" valueType="num">
                                       <p:cBhvr>
+                                        <p:cTn id="19" dur="1000" fill="hold"/>
+                                        <p:tgtEl>
+                                          <p:spTgt spid="3">
+                                            <p:txEl>
+                                              <p:pRg st="2" end="2"/>
+                                            </p:txEl>
+                                          </p:spTgt>
+                                        </p:tgtEl>
+                                        <p:attrNameLst>
+                                          <p:attrName>ppt_y</p:attrName>
+                                        </p:attrNameLst>
+                                      </p:cBhvr>
+                                      <p:tavLst>
+                                        <p:tav tm="0">
+                                          <p:val>
+                                            <p:strVal val="#ppt_y+.1"/>
+                                          </p:val>
+                                        </p:tav>
+                                        <p:tav tm="100000">
+                                          <p:val>
+                                            <p:strVal val="#ppt_y"/>
+                                          </p:val>
+                                        </p:tav>
+                                      </p:tavLst>
+                                    </p:anim>
+                                  </p:childTnLst>
+                                </p:cTn>
+                              </p:par>
+                              <p:par>
+                                <p:cTn id="20" presetID="42" presetClass="entr" presetSubtype="0" fill="hold" grpId="0" nodeType="withEffect">
+                                  <p:stCondLst>
+                                    <p:cond delay="0"/>
+                                  </p:stCondLst>
+                                  <p:childTnLst>
+                                    <p:set>
+                                      <p:cBhvr>
+                                        <p:cTn id="21" dur="1" fill="hold">
+                                          <p:stCondLst>
+                                            <p:cond delay="0"/>
+                                          </p:stCondLst>
+                                        </p:cTn>
+                                        <p:tgtEl>
+                                          <p:spTgt spid="3">
+                                            <p:txEl>
+                                              <p:pRg st="3" end="3"/>
+                                            </p:txEl>
+                                          </p:spTgt>
+                                        </p:tgtEl>
+                                        <p:attrNameLst>
+                                          <p:attrName>style.visibility</p:attrName>
+                                        </p:attrNameLst>
+                                      </p:cBhvr>
+                                      <p:to>
+                                        <p:strVal val="visible"/>
+                                      </p:to>
+                                    </p:set>
+                                    <p:animEffect transition="in" filter="fade">
+                                      <p:cBhvr>
+                                        <p:cTn id="22" dur="1000"/>
+                                        <p:tgtEl>
+                                          <p:spTgt spid="3">
+                                            <p:txEl>
+                                              <p:pRg st="3" end="3"/>
+                                            </p:txEl>
+                                          </p:spTgt>
+                                        </p:tgtEl>
+                                      </p:cBhvr>
+                                    </p:animEffect>
+                                    <p:anim calcmode="lin" valueType="num">
+                                      <p:cBhvr>
                                         <p:cTn id="23" dur="1000" fill="hold"/>
+                                        <p:tgtEl>
+                                          <p:spTgt spid="3">
+                                            <p:txEl>
+                                              <p:pRg st="3" end="3"/>
+                                            </p:txEl>
+                                          </p:spTgt>
+                                        </p:tgtEl>
+                                        <p:attrNameLst>
+                                          <p:attrName>ppt_x</p:attrName>
+                                        </p:attrNameLst>
+                                      </p:cBhvr>
+                                      <p:tavLst>
+                                        <p:tav tm="0">
+                                          <p:val>
+                                            <p:strVal val="#ppt_x"/>
+                                          </p:val>
+                                        </p:tav>
+                                        <p:tav tm="100000">
+                                          <p:val>
+                                            <p:strVal val="#ppt_x"/>
+                                          </p:val>
+                                        </p:tav>
+                                      </p:tavLst>
+                                    </p:anim>
+                                    <p:anim calcmode="lin" valueType="num">
+                                      <p:cBhvr>
+                                        <p:cTn id="24" dur="1000" fill="hold"/>
+                                        <p:tgtEl>
+                                          <p:spTgt spid="3">
+                                            <p:txEl>
+                                              <p:pRg st="3" end="3"/>
+                                            </p:txEl>
+                                          </p:spTgt>
+                                        </p:tgtEl>
+                                        <p:attrNameLst>
+                                          <p:attrName>ppt_y</p:attrName>
+                                        </p:attrNameLst>
+                                      </p:cBhvr>
+                                      <p:tavLst>
+                                        <p:tav tm="0">
+                                          <p:val>
+                                            <p:strVal val="#ppt_y+.1"/>
+                                          </p:val>
+                                        </p:tav>
+                                        <p:tav tm="100000">
+                                          <p:val>
+                                            <p:strVal val="#ppt_y"/>
+                                          </p:val>
+                                        </p:tav>
+                                      </p:tavLst>
+                                    </p:anim>
+                                  </p:childTnLst>
+                                </p:cTn>
+                              </p:par>
+                              <p:par>
+                                <p:cTn id="25" presetID="42" presetClass="entr" presetSubtype="0" fill="hold" grpId="0" nodeType="withEffect">
+                                  <p:stCondLst>
+                                    <p:cond delay="0"/>
+                                  </p:stCondLst>
+                                  <p:childTnLst>
+                                    <p:set>
+                                      <p:cBhvr>
+                                        <p:cTn id="26" dur="1" fill="hold">
+                                          <p:stCondLst>
+                                            <p:cond delay="0"/>
+                                          </p:stCondLst>
+                                        </p:cTn>
+                                        <p:tgtEl>
+                                          <p:spTgt spid="3">
+                                            <p:txEl>
+                                              <p:pRg st="4" end="4"/>
+                                            </p:txEl>
+                                          </p:spTgt>
+                                        </p:tgtEl>
+                                        <p:attrNameLst>
+                                          <p:attrName>style.visibility</p:attrName>
+                                        </p:attrNameLst>
+                                      </p:cBhvr>
+                                      <p:to>
+                                        <p:strVal val="visible"/>
+                                      </p:to>
+                                    </p:set>
+                                    <p:animEffect transition="in" filter="fade">
+                                      <p:cBhvr>
+                                        <p:cTn id="27" dur="1000"/>
+                                        <p:tgtEl>
+                                          <p:spTgt spid="3">
+                                            <p:txEl>
+                                              <p:pRg st="4" end="4"/>
+                                            </p:txEl>
+                                          </p:spTgt>
+                                        </p:tgtEl>
+                                      </p:cBhvr>
+                                    </p:animEffect>
+                                    <p:anim calcmode="lin" valueType="num">
+                                      <p:cBhvr>
+                                        <p:cTn id="28" dur="1000" fill="hold"/>
+                                        <p:tgtEl>
+                                          <p:spTgt spid="3">
+                                            <p:txEl>
+                                              <p:pRg st="4" end="4"/>
+                                            </p:txEl>
+                                          </p:spTgt>
+                                        </p:tgtEl>
+                                        <p:attrNameLst>
+                                          <p:attrName>ppt_x</p:attrName>
+                                        </p:attrNameLst>
+                                      </p:cBhvr>
+                                      <p:tavLst>
+                                        <p:tav tm="0">
+                                          <p:val>
+                                            <p:strVal val="#ppt_x"/>
+                                          </p:val>
+                                        </p:tav>
+                                        <p:tav tm="100000">
+                                          <p:val>
+                                            <p:strVal val="#ppt_x"/>
+                                          </p:val>
+                                        </p:tav>
+                                      </p:tavLst>
+                                    </p:anim>
+                                    <p:anim calcmode="lin" valueType="num">
+                                      <p:cBhvr>
+                                        <p:cTn id="29" dur="1000" fill="hold"/>
                                         <p:tgtEl>
                                           <p:spTgt spid="3">
                                             <p:txEl>
@@ -13498,7 +14319,7 @@
           <a:p>
             <a:r>
               <a:rPr lang="fr-CH" dirty="0"/>
-              <a:t>Améliorations possibles</a:t>
+              <a:t>Problèmes connus</a:t>
             </a:r>
           </a:p>
         </p:txBody>
@@ -13560,20 +14381,13 @@
     </p:spTree>
     <p:extLst>
       <p:ext uri="{BB962C8B-B14F-4D97-AF65-F5344CB8AC3E}">
-        <p14:creationId xmlns:p14="http://schemas.microsoft.com/office/powerpoint/2010/main" val="3631199245"/>
+        <p14:creationId xmlns:p14="http://schemas.microsoft.com/office/powerpoint/2010/main" val="3378639363"/>
       </p:ext>
     </p:extLst>
   </p:cSld>
   <p:clrMapOvr>
     <a:masterClrMapping/>
   </p:clrMapOvr>
-  <p:timing>
-    <p:tnLst>
-      <p:par>
-        <p:cTn id="1" dur="indefinite" restart="never" nodeType="tmRoot"/>
-      </p:par>
-    </p:tnLst>
-  </p:timing>
 </p:sld>
 </file>
 
@@ -14778,7 +15592,7 @@
           <a:p>
             <a:r>
               <a:rPr lang="fr-CH" dirty="0"/>
-              <a:t>Améliorations possibles</a:t>
+              <a:t>Problèmes connus</a:t>
             </a:r>
           </a:p>
         </p:txBody>
@@ -14824,53 +15638,33 @@
           <a:p>
             <a:r>
               <a:rPr lang="fr-CH" dirty="0"/>
-              <a:t>Fonctions supplémentaire dans les lecteurs (volumes, </a:t>
+              <a:t>Impossible de quitter la synchronisation en mode vidéo</a:t>
+            </a:r>
+          </a:p>
+          <a:p>
+            <a:endParaRPr lang="fr-CH" dirty="0"/>
+          </a:p>
+          <a:p>
+            <a:r>
+              <a:rPr lang="fr-CH" dirty="0"/>
+              <a:t>Pas de contrôle de la collection lorsque l’application est lancée</a:t>
+            </a:r>
+          </a:p>
+          <a:p>
+            <a:endParaRPr lang="fr-CH" dirty="0"/>
+          </a:p>
+          <a:p>
+            <a:r>
+              <a:rPr lang="fr-CH" dirty="0"/>
+              <a:t>Les processus ne se </a:t>
             </a:r>
             <a:r>
               <a:rPr lang="fr-CH" dirty="0" smtClean="0"/>
-              <a:t>…)</a:t>
-            </a:r>
-          </a:p>
-          <a:p>
-            <a:pPr marL="0" indent="0">
-              <a:buNone/>
-            </a:pPr>
-            <a:endParaRPr lang="fr-CH" dirty="0" smtClean="0"/>
-          </a:p>
-          <a:p>
-            <a:r>
-              <a:rPr lang="fr-CH" dirty="0" smtClean="0"/>
-              <a:t>Possibilité </a:t>
+              <a:t>terminent </a:t>
             </a:r>
             <a:r>
               <a:rPr lang="fr-CH" dirty="0"/>
-              <a:t>de créer des </a:t>
-            </a:r>
-            <a:r>
-              <a:rPr lang="fr-CH" dirty="0" smtClean="0"/>
-              <a:t>playlists</a:t>
-            </a:r>
-          </a:p>
-          <a:p>
-            <a:endParaRPr lang="fr-CH" dirty="0"/>
-          </a:p>
-          <a:p>
-            <a:r>
-              <a:rPr lang="fr-CH" dirty="0" smtClean="0"/>
-              <a:t>Fonction </a:t>
-            </a:r>
-            <a:r>
-              <a:rPr lang="fr-CH" dirty="0"/>
-              <a:t>de recherche</a:t>
-            </a:r>
-          </a:p>
-          <a:p>
-            <a:endParaRPr lang="fr-CH" dirty="0"/>
-          </a:p>
-          <a:p>
-            <a:r>
-              <a:rPr lang="fr-CH" dirty="0"/>
-              <a:t>Streaming de média</a:t>
+              <a:t>pas correctement lors de la fermeture de l’application</a:t>
             </a:r>
           </a:p>
         </p:txBody>
@@ -14878,7 +15672,7 @@
     </p:spTree>
     <p:extLst>
       <p:ext uri="{BB962C8B-B14F-4D97-AF65-F5344CB8AC3E}">
-        <p14:creationId xmlns:p14="http://schemas.microsoft.com/office/powerpoint/2010/main" val="2225617271"/>
+        <p14:creationId xmlns:p14="http://schemas.microsoft.com/office/powerpoint/2010/main" val="925607688"/>
       </p:ext>
     </p:extLst>
   </p:cSld>
@@ -15209,121 +16003,6 @@
                                           <p:spTgt spid="3">
                                             <p:txEl>
                                               <p:pRg st="4" end="4"/>
-                                            </p:txEl>
-                                          </p:spTgt>
-                                        </p:tgtEl>
-                                        <p:attrNameLst>
-                                          <p:attrName>ppt_y</p:attrName>
-                                        </p:attrNameLst>
-                                      </p:cBhvr>
-                                      <p:tavLst>
-                                        <p:tav tm="0">
-                                          <p:val>
-                                            <p:strVal val="#ppt_y+.1"/>
-                                          </p:val>
-                                        </p:tav>
-                                        <p:tav tm="100000">
-                                          <p:val>
-                                            <p:strVal val="#ppt_y"/>
-                                          </p:val>
-                                        </p:tav>
-                                      </p:tavLst>
-                                    </p:anim>
-                                  </p:childTnLst>
-                                </p:cTn>
-                              </p:par>
-                            </p:childTnLst>
-                          </p:cTn>
-                        </p:par>
-                      </p:childTnLst>
-                    </p:cTn>
-                  </p:par>
-                  <p:par>
-                    <p:cTn id="24" fill="hold">
-                      <p:stCondLst>
-                        <p:cond delay="indefinite"/>
-                      </p:stCondLst>
-                      <p:childTnLst>
-                        <p:par>
-                          <p:cTn id="25" fill="hold">
-                            <p:stCondLst>
-                              <p:cond delay="0"/>
-                            </p:stCondLst>
-                            <p:childTnLst>
-                              <p:par>
-                                <p:cTn id="26" presetID="42" presetClass="entr" presetSubtype="0" fill="hold" grpId="0" nodeType="clickEffect">
-                                  <p:stCondLst>
-                                    <p:cond delay="0"/>
-                                  </p:stCondLst>
-                                  <p:childTnLst>
-                                    <p:set>
-                                      <p:cBhvr>
-                                        <p:cTn id="27" dur="1" fill="hold">
-                                          <p:stCondLst>
-                                            <p:cond delay="0"/>
-                                          </p:stCondLst>
-                                        </p:cTn>
-                                        <p:tgtEl>
-                                          <p:spTgt spid="3">
-                                            <p:txEl>
-                                              <p:pRg st="6" end="6"/>
-                                            </p:txEl>
-                                          </p:spTgt>
-                                        </p:tgtEl>
-                                        <p:attrNameLst>
-                                          <p:attrName>style.visibility</p:attrName>
-                                        </p:attrNameLst>
-                                      </p:cBhvr>
-                                      <p:to>
-                                        <p:strVal val="visible"/>
-                                      </p:to>
-                                    </p:set>
-                                    <p:animEffect transition="in" filter="fade">
-                                      <p:cBhvr>
-                                        <p:cTn id="28" dur="1000"/>
-                                        <p:tgtEl>
-                                          <p:spTgt spid="3">
-                                            <p:txEl>
-                                              <p:pRg st="6" end="6"/>
-                                            </p:txEl>
-                                          </p:spTgt>
-                                        </p:tgtEl>
-                                      </p:cBhvr>
-                                    </p:animEffect>
-                                    <p:anim calcmode="lin" valueType="num">
-                                      <p:cBhvr>
-                                        <p:cTn id="29" dur="1000" fill="hold"/>
-                                        <p:tgtEl>
-                                          <p:spTgt spid="3">
-                                            <p:txEl>
-                                              <p:pRg st="6" end="6"/>
-                                            </p:txEl>
-                                          </p:spTgt>
-                                        </p:tgtEl>
-                                        <p:attrNameLst>
-                                          <p:attrName>ppt_x</p:attrName>
-                                        </p:attrNameLst>
-                                      </p:cBhvr>
-                                      <p:tavLst>
-                                        <p:tav tm="0">
-                                          <p:val>
-                                            <p:strVal val="#ppt_x"/>
-                                          </p:val>
-                                        </p:tav>
-                                        <p:tav tm="100000">
-                                          <p:val>
-                                            <p:strVal val="#ppt_x"/>
-                                          </p:val>
-                                        </p:tav>
-                                      </p:tavLst>
-                                    </p:anim>
-                                    <p:anim calcmode="lin" valueType="num">
-                                      <p:cBhvr>
-                                        <p:cTn id="30" dur="1000" fill="hold"/>
-                                        <p:tgtEl>
-                                          <p:spTgt spid="3">
-                                            <p:txEl>
-                                              <p:pRg st="6" end="6"/>
                                             </p:txEl>
                                           </p:spTgt>
                                         </p:tgtEl>
@@ -15419,10 +16098,9 @@
           <a:lstStyle/>
           <a:p>
             <a:r>
-              <a:rPr lang="fr-CH" dirty="0" smtClean="0"/>
-              <a:t>Conclusion</a:t>
-            </a:r>
-            <a:endParaRPr lang="fr-CH" dirty="0"/>
+              <a:rPr lang="fr-CH" dirty="0"/>
+              <a:t>Améliorations possibles</a:t>
+            </a:r>
           </a:p>
         </p:txBody>
       </p:sp>
@@ -15445,6 +16123,760 @@
               <a:rPr lang="en-US" smtClean="0"/>
               <a:pPr/>
               <a:t>21</a:t>
+            </a:fld>
+            <a:endParaRPr lang="en-US" dirty="0"/>
+          </a:p>
+        </p:txBody>
+      </p:sp>
+      <p:pic>
+        <p:nvPicPr>
+          <p:cNvPr id="5" name="Image 4"/>
+          <p:cNvPicPr>
+            <a:picLocks noChangeAspect="1"/>
+          </p:cNvPicPr>
+          <p:nvPr/>
+        </p:nvPicPr>
+        <p:blipFill>
+          <a:blip r:embed="rId2">
+            <a:extLst>
+              <a:ext uri="{28A0092B-C50C-407E-A947-70E740481C1C}">
+                <a14:useLocalDpi xmlns:a14="http://schemas.microsoft.com/office/drawing/2010/main" val="0"/>
+              </a:ext>
+            </a:extLst>
+          </a:blip>
+          <a:stretch>
+            <a:fillRect/>
+          </a:stretch>
+        </p:blipFill>
+        <p:spPr>
+          <a:xfrm>
+            <a:off x="4314225" y="4120686"/>
+            <a:ext cx="5229546" cy="2941620"/>
+          </a:xfrm>
+          <a:prstGeom prst="rect">
+            <a:avLst/>
+          </a:prstGeom>
+        </p:spPr>
+      </p:pic>
+    </p:spTree>
+    <p:extLst>
+      <p:ext uri="{BB962C8B-B14F-4D97-AF65-F5344CB8AC3E}">
+        <p14:creationId xmlns:p14="http://schemas.microsoft.com/office/powerpoint/2010/main" val="3631199245"/>
+      </p:ext>
+    </p:extLst>
+  </p:cSld>
+  <p:clrMapOvr>
+    <a:masterClrMapping/>
+  </p:clrMapOvr>
+</p:sld>
+</file>
+
+<file path=ppt/slides/slide22.xml><?xml version="1.0" encoding="utf-8"?>
+<p:sld xmlns:a="http://schemas.openxmlformats.org/drawingml/2006/main" xmlns:r="http://schemas.openxmlformats.org/officeDocument/2006/relationships" xmlns:p="http://schemas.openxmlformats.org/presentationml/2006/main">
+  <p:cSld>
+    <p:spTree>
+      <p:nvGrpSpPr>
+        <p:cNvPr id="1" name=""/>
+        <p:cNvGrpSpPr/>
+        <p:nvPr/>
+      </p:nvGrpSpPr>
+      <p:grpSpPr>
+        <a:xfrm>
+          <a:off x="0" y="0"/>
+          <a:ext cx="0" cy="0"/>
+          <a:chOff x="0" y="0"/>
+          <a:chExt cx="0" cy="0"/>
+        </a:xfrm>
+      </p:grpSpPr>
+      <p:sp>
+        <p:nvSpPr>
+          <p:cNvPr id="2" name="Titre 1"/>
+          <p:cNvSpPr>
+            <a:spLocks noGrp="1"/>
+          </p:cNvSpPr>
+          <p:nvPr>
+            <p:ph type="title"/>
+          </p:nvPr>
+        </p:nvSpPr>
+        <p:spPr>
+          <a:xfrm>
+            <a:off x="484710" y="172161"/>
+            <a:ext cx="7055380" cy="1400530"/>
+          </a:xfrm>
+        </p:spPr>
+        <p:txBody>
+          <a:bodyPr/>
+          <a:lstStyle/>
+          <a:p>
+            <a:r>
+              <a:rPr lang="fr-CH" dirty="0"/>
+              <a:t>Améliorations possibles</a:t>
+            </a:r>
+          </a:p>
+        </p:txBody>
+      </p:sp>
+      <p:sp>
+        <p:nvSpPr>
+          <p:cNvPr id="8" name="Espace réservé du numéro de diapositive 7"/>
+          <p:cNvSpPr>
+            <a:spLocks noGrp="1"/>
+          </p:cNvSpPr>
+          <p:nvPr>
+            <p:ph type="sldNum" sz="quarter" idx="12"/>
+          </p:nvPr>
+        </p:nvSpPr>
+        <p:spPr/>
+        <p:txBody>
+          <a:bodyPr/>
+          <a:lstStyle/>
+          <a:p>
+            <a:fld id="{D57F1E4F-1CFF-5643-939E-217C01CDF565}" type="slidenum">
+              <a:rPr lang="en-US" smtClean="0"/>
+              <a:pPr/>
+              <a:t>22</a:t>
+            </a:fld>
+            <a:endParaRPr lang="en-US" dirty="0"/>
+          </a:p>
+        </p:txBody>
+      </p:sp>
+      <p:sp>
+        <p:nvSpPr>
+          <p:cNvPr id="3" name="Espace réservé du contenu 2"/>
+          <p:cNvSpPr>
+            <a:spLocks noGrp="1"/>
+          </p:cNvSpPr>
+          <p:nvPr>
+            <p:ph idx="1"/>
+          </p:nvPr>
+        </p:nvSpPr>
+        <p:spPr/>
+        <p:txBody>
+          <a:bodyPr/>
+          <a:lstStyle/>
+          <a:p>
+            <a:r>
+              <a:rPr lang="fr-CH" dirty="0"/>
+              <a:t>Fonctions supplémentaire dans les lecteurs (volumes, </a:t>
+            </a:r>
+            <a:r>
+              <a:rPr lang="fr-CH" dirty="0" smtClean="0"/>
+              <a:t>…)</a:t>
+            </a:r>
+          </a:p>
+          <a:p>
+            <a:pPr marL="0" indent="0">
+              <a:buNone/>
+            </a:pPr>
+            <a:endParaRPr lang="fr-CH" dirty="0" smtClean="0"/>
+          </a:p>
+          <a:p>
+            <a:r>
+              <a:rPr lang="fr-CH" dirty="0" smtClean="0"/>
+              <a:t>Possibilité </a:t>
+            </a:r>
+            <a:r>
+              <a:rPr lang="fr-CH" dirty="0"/>
+              <a:t>de créer des </a:t>
+            </a:r>
+            <a:r>
+              <a:rPr lang="fr-CH" dirty="0" smtClean="0"/>
+              <a:t>playlists</a:t>
+            </a:r>
+          </a:p>
+          <a:p>
+            <a:endParaRPr lang="fr-CH" dirty="0"/>
+          </a:p>
+          <a:p>
+            <a:r>
+              <a:rPr lang="fr-CH" dirty="0" smtClean="0"/>
+              <a:t>Fonction </a:t>
+            </a:r>
+            <a:r>
+              <a:rPr lang="fr-CH" dirty="0"/>
+              <a:t>de recherche</a:t>
+            </a:r>
+          </a:p>
+          <a:p>
+            <a:endParaRPr lang="fr-CH" dirty="0"/>
+          </a:p>
+          <a:p>
+            <a:r>
+              <a:rPr lang="fr-CH" dirty="0"/>
+              <a:t>Streaming de média</a:t>
+            </a:r>
+          </a:p>
+        </p:txBody>
+      </p:sp>
+    </p:spTree>
+    <p:extLst>
+      <p:ext uri="{BB962C8B-B14F-4D97-AF65-F5344CB8AC3E}">
+        <p14:creationId xmlns:p14="http://schemas.microsoft.com/office/powerpoint/2010/main" val="2225617271"/>
+      </p:ext>
+    </p:extLst>
+  </p:cSld>
+  <p:clrMapOvr>
+    <a:masterClrMapping/>
+  </p:clrMapOvr>
+  <p:timing>
+    <p:tnLst>
+      <p:par>
+        <p:cTn id="1" dur="indefinite" restart="never" nodeType="tmRoot">
+          <p:childTnLst>
+            <p:seq concurrent="1" nextAc="seek">
+              <p:cTn id="2" dur="indefinite" nodeType="mainSeq">
+                <p:childTnLst>
+                  <p:par>
+                    <p:cTn id="3" fill="hold">
+                      <p:stCondLst>
+                        <p:cond delay="indefinite"/>
+                      </p:stCondLst>
+                      <p:childTnLst>
+                        <p:par>
+                          <p:cTn id="4" fill="hold">
+                            <p:stCondLst>
+                              <p:cond delay="0"/>
+                            </p:stCondLst>
+                            <p:childTnLst>
+                              <p:par>
+                                <p:cTn id="5" presetID="42" presetClass="entr" presetSubtype="0" fill="hold" grpId="0" nodeType="clickEffect">
+                                  <p:stCondLst>
+                                    <p:cond delay="0"/>
+                                  </p:stCondLst>
+                                  <p:childTnLst>
+                                    <p:set>
+                                      <p:cBhvr>
+                                        <p:cTn id="6" dur="1" fill="hold">
+                                          <p:stCondLst>
+                                            <p:cond delay="0"/>
+                                          </p:stCondLst>
+                                        </p:cTn>
+                                        <p:tgtEl>
+                                          <p:spTgt spid="3">
+                                            <p:txEl>
+                                              <p:pRg st="0" end="0"/>
+                                            </p:txEl>
+                                          </p:spTgt>
+                                        </p:tgtEl>
+                                        <p:attrNameLst>
+                                          <p:attrName>style.visibility</p:attrName>
+                                        </p:attrNameLst>
+                                      </p:cBhvr>
+                                      <p:to>
+                                        <p:strVal val="visible"/>
+                                      </p:to>
+                                    </p:set>
+                                    <p:animEffect transition="in" filter="fade">
+                                      <p:cBhvr>
+                                        <p:cTn id="7" dur="1000"/>
+                                        <p:tgtEl>
+                                          <p:spTgt spid="3">
+                                            <p:txEl>
+                                              <p:pRg st="0" end="0"/>
+                                            </p:txEl>
+                                          </p:spTgt>
+                                        </p:tgtEl>
+                                      </p:cBhvr>
+                                    </p:animEffect>
+                                    <p:anim calcmode="lin" valueType="num">
+                                      <p:cBhvr>
+                                        <p:cTn id="8" dur="1000" fill="hold"/>
+                                        <p:tgtEl>
+                                          <p:spTgt spid="3">
+                                            <p:txEl>
+                                              <p:pRg st="0" end="0"/>
+                                            </p:txEl>
+                                          </p:spTgt>
+                                        </p:tgtEl>
+                                        <p:attrNameLst>
+                                          <p:attrName>ppt_x</p:attrName>
+                                        </p:attrNameLst>
+                                      </p:cBhvr>
+                                      <p:tavLst>
+                                        <p:tav tm="0">
+                                          <p:val>
+                                            <p:strVal val="#ppt_x"/>
+                                          </p:val>
+                                        </p:tav>
+                                        <p:tav tm="100000">
+                                          <p:val>
+                                            <p:strVal val="#ppt_x"/>
+                                          </p:val>
+                                        </p:tav>
+                                      </p:tavLst>
+                                    </p:anim>
+                                    <p:anim calcmode="lin" valueType="num">
+                                      <p:cBhvr>
+                                        <p:cTn id="9" dur="1000" fill="hold"/>
+                                        <p:tgtEl>
+                                          <p:spTgt spid="3">
+                                            <p:txEl>
+                                              <p:pRg st="0" end="0"/>
+                                            </p:txEl>
+                                          </p:spTgt>
+                                        </p:tgtEl>
+                                        <p:attrNameLst>
+                                          <p:attrName>ppt_y</p:attrName>
+                                        </p:attrNameLst>
+                                      </p:cBhvr>
+                                      <p:tavLst>
+                                        <p:tav tm="0">
+                                          <p:val>
+                                            <p:strVal val="#ppt_y+.1"/>
+                                          </p:val>
+                                        </p:tav>
+                                        <p:tav tm="100000">
+                                          <p:val>
+                                            <p:strVal val="#ppt_y"/>
+                                          </p:val>
+                                        </p:tav>
+                                      </p:tavLst>
+                                    </p:anim>
+                                  </p:childTnLst>
+                                </p:cTn>
+                              </p:par>
+                            </p:childTnLst>
+                          </p:cTn>
+                        </p:par>
+                      </p:childTnLst>
+                    </p:cTn>
+                  </p:par>
+                  <p:par>
+                    <p:cTn id="10" fill="hold">
+                      <p:stCondLst>
+                        <p:cond delay="indefinite"/>
+                      </p:stCondLst>
+                      <p:childTnLst>
+                        <p:par>
+                          <p:cTn id="11" fill="hold">
+                            <p:stCondLst>
+                              <p:cond delay="0"/>
+                            </p:stCondLst>
+                            <p:childTnLst>
+                              <p:par>
+                                <p:cTn id="12" presetID="42" presetClass="entr" presetSubtype="0" fill="hold" grpId="0" nodeType="clickEffect">
+                                  <p:stCondLst>
+                                    <p:cond delay="0"/>
+                                  </p:stCondLst>
+                                  <p:childTnLst>
+                                    <p:set>
+                                      <p:cBhvr>
+                                        <p:cTn id="13" dur="1" fill="hold">
+                                          <p:stCondLst>
+                                            <p:cond delay="0"/>
+                                          </p:stCondLst>
+                                        </p:cTn>
+                                        <p:tgtEl>
+                                          <p:spTgt spid="3">
+                                            <p:txEl>
+                                              <p:pRg st="2" end="2"/>
+                                            </p:txEl>
+                                          </p:spTgt>
+                                        </p:tgtEl>
+                                        <p:attrNameLst>
+                                          <p:attrName>style.visibility</p:attrName>
+                                        </p:attrNameLst>
+                                      </p:cBhvr>
+                                      <p:to>
+                                        <p:strVal val="visible"/>
+                                      </p:to>
+                                    </p:set>
+                                    <p:animEffect transition="in" filter="fade">
+                                      <p:cBhvr>
+                                        <p:cTn id="14" dur="1000"/>
+                                        <p:tgtEl>
+                                          <p:spTgt spid="3">
+                                            <p:txEl>
+                                              <p:pRg st="2" end="2"/>
+                                            </p:txEl>
+                                          </p:spTgt>
+                                        </p:tgtEl>
+                                      </p:cBhvr>
+                                    </p:animEffect>
+                                    <p:anim calcmode="lin" valueType="num">
+                                      <p:cBhvr>
+                                        <p:cTn id="15" dur="1000" fill="hold"/>
+                                        <p:tgtEl>
+                                          <p:spTgt spid="3">
+                                            <p:txEl>
+                                              <p:pRg st="2" end="2"/>
+                                            </p:txEl>
+                                          </p:spTgt>
+                                        </p:tgtEl>
+                                        <p:attrNameLst>
+                                          <p:attrName>ppt_x</p:attrName>
+                                        </p:attrNameLst>
+                                      </p:cBhvr>
+                                      <p:tavLst>
+                                        <p:tav tm="0">
+                                          <p:val>
+                                            <p:strVal val="#ppt_x"/>
+                                          </p:val>
+                                        </p:tav>
+                                        <p:tav tm="100000">
+                                          <p:val>
+                                            <p:strVal val="#ppt_x"/>
+                                          </p:val>
+                                        </p:tav>
+                                      </p:tavLst>
+                                    </p:anim>
+                                    <p:anim calcmode="lin" valueType="num">
+                                      <p:cBhvr>
+                                        <p:cTn id="16" dur="1000" fill="hold"/>
+                                        <p:tgtEl>
+                                          <p:spTgt spid="3">
+                                            <p:txEl>
+                                              <p:pRg st="2" end="2"/>
+                                            </p:txEl>
+                                          </p:spTgt>
+                                        </p:tgtEl>
+                                        <p:attrNameLst>
+                                          <p:attrName>ppt_y</p:attrName>
+                                        </p:attrNameLst>
+                                      </p:cBhvr>
+                                      <p:tavLst>
+                                        <p:tav tm="0">
+                                          <p:val>
+                                            <p:strVal val="#ppt_y+.1"/>
+                                          </p:val>
+                                        </p:tav>
+                                        <p:tav tm="100000">
+                                          <p:val>
+                                            <p:strVal val="#ppt_y"/>
+                                          </p:val>
+                                        </p:tav>
+                                      </p:tavLst>
+                                    </p:anim>
+                                  </p:childTnLst>
+                                </p:cTn>
+                              </p:par>
+                            </p:childTnLst>
+                          </p:cTn>
+                        </p:par>
+                      </p:childTnLst>
+                    </p:cTn>
+                  </p:par>
+                  <p:par>
+                    <p:cTn id="17" fill="hold">
+                      <p:stCondLst>
+                        <p:cond delay="indefinite"/>
+                      </p:stCondLst>
+                      <p:childTnLst>
+                        <p:par>
+                          <p:cTn id="18" fill="hold">
+                            <p:stCondLst>
+                              <p:cond delay="0"/>
+                            </p:stCondLst>
+                            <p:childTnLst>
+                              <p:par>
+                                <p:cTn id="19" presetID="42" presetClass="entr" presetSubtype="0" fill="hold" grpId="0" nodeType="clickEffect">
+                                  <p:stCondLst>
+                                    <p:cond delay="0"/>
+                                  </p:stCondLst>
+                                  <p:childTnLst>
+                                    <p:set>
+                                      <p:cBhvr>
+                                        <p:cTn id="20" dur="1" fill="hold">
+                                          <p:stCondLst>
+                                            <p:cond delay="0"/>
+                                          </p:stCondLst>
+                                        </p:cTn>
+                                        <p:tgtEl>
+                                          <p:spTgt spid="3">
+                                            <p:txEl>
+                                              <p:pRg st="4" end="4"/>
+                                            </p:txEl>
+                                          </p:spTgt>
+                                        </p:tgtEl>
+                                        <p:attrNameLst>
+                                          <p:attrName>style.visibility</p:attrName>
+                                        </p:attrNameLst>
+                                      </p:cBhvr>
+                                      <p:to>
+                                        <p:strVal val="visible"/>
+                                      </p:to>
+                                    </p:set>
+                                    <p:animEffect transition="in" filter="fade">
+                                      <p:cBhvr>
+                                        <p:cTn id="21" dur="1000"/>
+                                        <p:tgtEl>
+                                          <p:spTgt spid="3">
+                                            <p:txEl>
+                                              <p:pRg st="4" end="4"/>
+                                            </p:txEl>
+                                          </p:spTgt>
+                                        </p:tgtEl>
+                                      </p:cBhvr>
+                                    </p:animEffect>
+                                    <p:anim calcmode="lin" valueType="num">
+                                      <p:cBhvr>
+                                        <p:cTn id="22" dur="1000" fill="hold"/>
+                                        <p:tgtEl>
+                                          <p:spTgt spid="3">
+                                            <p:txEl>
+                                              <p:pRg st="4" end="4"/>
+                                            </p:txEl>
+                                          </p:spTgt>
+                                        </p:tgtEl>
+                                        <p:attrNameLst>
+                                          <p:attrName>ppt_x</p:attrName>
+                                        </p:attrNameLst>
+                                      </p:cBhvr>
+                                      <p:tavLst>
+                                        <p:tav tm="0">
+                                          <p:val>
+                                            <p:strVal val="#ppt_x"/>
+                                          </p:val>
+                                        </p:tav>
+                                        <p:tav tm="100000">
+                                          <p:val>
+                                            <p:strVal val="#ppt_x"/>
+                                          </p:val>
+                                        </p:tav>
+                                      </p:tavLst>
+                                    </p:anim>
+                                    <p:anim calcmode="lin" valueType="num">
+                                      <p:cBhvr>
+                                        <p:cTn id="23" dur="1000" fill="hold"/>
+                                        <p:tgtEl>
+                                          <p:spTgt spid="3">
+                                            <p:txEl>
+                                              <p:pRg st="4" end="4"/>
+                                            </p:txEl>
+                                          </p:spTgt>
+                                        </p:tgtEl>
+                                        <p:attrNameLst>
+                                          <p:attrName>ppt_y</p:attrName>
+                                        </p:attrNameLst>
+                                      </p:cBhvr>
+                                      <p:tavLst>
+                                        <p:tav tm="0">
+                                          <p:val>
+                                            <p:strVal val="#ppt_y+.1"/>
+                                          </p:val>
+                                        </p:tav>
+                                        <p:tav tm="100000">
+                                          <p:val>
+                                            <p:strVal val="#ppt_y"/>
+                                          </p:val>
+                                        </p:tav>
+                                      </p:tavLst>
+                                    </p:anim>
+                                  </p:childTnLst>
+                                </p:cTn>
+                              </p:par>
+                            </p:childTnLst>
+                          </p:cTn>
+                        </p:par>
+                      </p:childTnLst>
+                    </p:cTn>
+                  </p:par>
+                  <p:par>
+                    <p:cTn id="24" fill="hold">
+                      <p:stCondLst>
+                        <p:cond delay="indefinite"/>
+                      </p:stCondLst>
+                      <p:childTnLst>
+                        <p:par>
+                          <p:cTn id="25" fill="hold">
+                            <p:stCondLst>
+                              <p:cond delay="0"/>
+                            </p:stCondLst>
+                            <p:childTnLst>
+                              <p:par>
+                                <p:cTn id="26" presetID="42" presetClass="entr" presetSubtype="0" fill="hold" grpId="0" nodeType="clickEffect">
+                                  <p:stCondLst>
+                                    <p:cond delay="0"/>
+                                  </p:stCondLst>
+                                  <p:childTnLst>
+                                    <p:set>
+                                      <p:cBhvr>
+                                        <p:cTn id="27" dur="1" fill="hold">
+                                          <p:stCondLst>
+                                            <p:cond delay="0"/>
+                                          </p:stCondLst>
+                                        </p:cTn>
+                                        <p:tgtEl>
+                                          <p:spTgt spid="3">
+                                            <p:txEl>
+                                              <p:pRg st="6" end="6"/>
+                                            </p:txEl>
+                                          </p:spTgt>
+                                        </p:tgtEl>
+                                        <p:attrNameLst>
+                                          <p:attrName>style.visibility</p:attrName>
+                                        </p:attrNameLst>
+                                      </p:cBhvr>
+                                      <p:to>
+                                        <p:strVal val="visible"/>
+                                      </p:to>
+                                    </p:set>
+                                    <p:animEffect transition="in" filter="fade">
+                                      <p:cBhvr>
+                                        <p:cTn id="28" dur="1000"/>
+                                        <p:tgtEl>
+                                          <p:spTgt spid="3">
+                                            <p:txEl>
+                                              <p:pRg st="6" end="6"/>
+                                            </p:txEl>
+                                          </p:spTgt>
+                                        </p:tgtEl>
+                                      </p:cBhvr>
+                                    </p:animEffect>
+                                    <p:anim calcmode="lin" valueType="num">
+                                      <p:cBhvr>
+                                        <p:cTn id="29" dur="1000" fill="hold"/>
+                                        <p:tgtEl>
+                                          <p:spTgt spid="3">
+                                            <p:txEl>
+                                              <p:pRg st="6" end="6"/>
+                                            </p:txEl>
+                                          </p:spTgt>
+                                        </p:tgtEl>
+                                        <p:attrNameLst>
+                                          <p:attrName>ppt_x</p:attrName>
+                                        </p:attrNameLst>
+                                      </p:cBhvr>
+                                      <p:tavLst>
+                                        <p:tav tm="0">
+                                          <p:val>
+                                            <p:strVal val="#ppt_x"/>
+                                          </p:val>
+                                        </p:tav>
+                                        <p:tav tm="100000">
+                                          <p:val>
+                                            <p:strVal val="#ppt_x"/>
+                                          </p:val>
+                                        </p:tav>
+                                      </p:tavLst>
+                                    </p:anim>
+                                    <p:anim calcmode="lin" valueType="num">
+                                      <p:cBhvr>
+                                        <p:cTn id="30" dur="1000" fill="hold"/>
+                                        <p:tgtEl>
+                                          <p:spTgt spid="3">
+                                            <p:txEl>
+                                              <p:pRg st="6" end="6"/>
+                                            </p:txEl>
+                                          </p:spTgt>
+                                        </p:tgtEl>
+                                        <p:attrNameLst>
+                                          <p:attrName>ppt_y</p:attrName>
+                                        </p:attrNameLst>
+                                      </p:cBhvr>
+                                      <p:tavLst>
+                                        <p:tav tm="0">
+                                          <p:val>
+                                            <p:strVal val="#ppt_y+.1"/>
+                                          </p:val>
+                                        </p:tav>
+                                        <p:tav tm="100000">
+                                          <p:val>
+                                            <p:strVal val="#ppt_y"/>
+                                          </p:val>
+                                        </p:tav>
+                                      </p:tavLst>
+                                    </p:anim>
+                                  </p:childTnLst>
+                                </p:cTn>
+                              </p:par>
+                            </p:childTnLst>
+                          </p:cTn>
+                        </p:par>
+                      </p:childTnLst>
+                    </p:cTn>
+                  </p:par>
+                </p:childTnLst>
+              </p:cTn>
+              <p:prevCondLst>
+                <p:cond evt="onPrev" delay="0">
+                  <p:tgtEl>
+                    <p:sldTgt/>
+                  </p:tgtEl>
+                </p:cond>
+              </p:prevCondLst>
+              <p:nextCondLst>
+                <p:cond evt="onNext" delay="0">
+                  <p:tgtEl>
+                    <p:sldTgt/>
+                  </p:tgtEl>
+                </p:cond>
+              </p:nextCondLst>
+            </p:seq>
+          </p:childTnLst>
+        </p:cTn>
+      </p:par>
+    </p:tnLst>
+    <p:bldLst>
+      <p:bldP spid="3" grpId="0" build="p"/>
+    </p:bldLst>
+  </p:timing>
+</p:sld>
+</file>
+
+<file path=ppt/slides/slide23.xml><?xml version="1.0" encoding="utf-8"?>
+<p:sld xmlns:a="http://schemas.openxmlformats.org/drawingml/2006/main" xmlns:r="http://schemas.openxmlformats.org/officeDocument/2006/relationships" xmlns:p="http://schemas.openxmlformats.org/presentationml/2006/main">
+  <p:cSld>
+    <p:spTree>
+      <p:nvGrpSpPr>
+        <p:cNvPr id="1" name=""/>
+        <p:cNvGrpSpPr/>
+        <p:nvPr/>
+      </p:nvGrpSpPr>
+      <p:grpSpPr>
+        <a:xfrm>
+          <a:off x="0" y="0"/>
+          <a:ext cx="0" cy="0"/>
+          <a:chOff x="0" y="0"/>
+          <a:chExt cx="0" cy="0"/>
+        </a:xfrm>
+      </p:grpSpPr>
+      <p:sp>
+        <p:nvSpPr>
+          <p:cNvPr id="2" name="Titre 1"/>
+          <p:cNvSpPr>
+            <a:spLocks noGrp="1"/>
+          </p:cNvSpPr>
+          <p:nvPr>
+            <p:ph type="ctrTitle"/>
+          </p:nvPr>
+        </p:nvSpPr>
+        <p:spPr>
+          <a:xfrm>
+            <a:off x="866441" y="1447801"/>
+            <a:ext cx="7415113" cy="3329581"/>
+          </a:xfrm>
+        </p:spPr>
+        <p:txBody>
+          <a:bodyPr/>
+          <a:lstStyle/>
+          <a:p>
+            <a:r>
+              <a:rPr lang="fr-CH" dirty="0" smtClean="0"/>
+              <a:t>Conclusion</a:t>
+            </a:r>
+            <a:endParaRPr lang="fr-CH" dirty="0"/>
+          </a:p>
+        </p:txBody>
+      </p:sp>
+      <p:sp>
+        <p:nvSpPr>
+          <p:cNvPr id="4" name="Espace réservé du numéro de diapositive 3"/>
+          <p:cNvSpPr>
+            <a:spLocks noGrp="1"/>
+          </p:cNvSpPr>
+          <p:nvPr>
+            <p:ph type="sldNum" sz="quarter" idx="12"/>
+          </p:nvPr>
+        </p:nvSpPr>
+        <p:spPr/>
+        <p:txBody>
+          <a:bodyPr/>
+          <a:lstStyle/>
+          <a:p>
+            <a:fld id="{D57F1E4F-1CFF-5643-939E-217C01CDF565}" type="slidenum">
+              <a:rPr lang="en-US" smtClean="0"/>
+              <a:pPr/>
+              <a:t>23</a:t>
             </a:fld>
             <a:endParaRPr lang="en-US" dirty="0"/>
           </a:p>
@@ -15490,13 +16922,140 @@
   <p:clrMapOvr>
     <a:masterClrMapping/>
   </p:clrMapOvr>
-  <p:timing>
-    <p:tnLst>
-      <p:par>
-        <p:cTn id="1" dur="indefinite" restart="never" nodeType="tmRoot"/>
-      </p:par>
-    </p:tnLst>
-  </p:timing>
+</p:sld>
+</file>
+
+<file path=ppt/slides/slide24.xml><?xml version="1.0" encoding="utf-8"?>
+<p:sld xmlns:a="http://schemas.openxmlformats.org/drawingml/2006/main" xmlns:r="http://schemas.openxmlformats.org/officeDocument/2006/relationships" xmlns:p="http://schemas.openxmlformats.org/presentationml/2006/main">
+  <p:cSld>
+    <p:spTree>
+      <p:nvGrpSpPr>
+        <p:cNvPr id="1" name=""/>
+        <p:cNvGrpSpPr/>
+        <p:nvPr/>
+      </p:nvGrpSpPr>
+      <p:grpSpPr>
+        <a:xfrm>
+          <a:off x="0" y="0"/>
+          <a:ext cx="0" cy="0"/>
+          <a:chOff x="0" y="0"/>
+          <a:chExt cx="0" cy="0"/>
+        </a:xfrm>
+      </p:grpSpPr>
+      <p:sp>
+        <p:nvSpPr>
+          <p:cNvPr id="2" name="Titre 1"/>
+          <p:cNvSpPr>
+            <a:spLocks noGrp="1"/>
+          </p:cNvSpPr>
+          <p:nvPr>
+            <p:ph type="title"/>
+          </p:nvPr>
+        </p:nvSpPr>
+        <p:spPr/>
+        <p:txBody>
+          <a:bodyPr/>
+          <a:lstStyle/>
+          <a:p>
+            <a:r>
+              <a:rPr lang="fr-CH" dirty="0" smtClean="0"/>
+              <a:t>Conclusion</a:t>
+            </a:r>
+            <a:endParaRPr lang="fr-CH" dirty="0"/>
+          </a:p>
+        </p:txBody>
+      </p:sp>
+      <p:sp>
+        <p:nvSpPr>
+          <p:cNvPr id="3" name="Espace réservé du contenu 2"/>
+          <p:cNvSpPr>
+            <a:spLocks noGrp="1"/>
+          </p:cNvSpPr>
+          <p:nvPr>
+            <p:ph idx="1"/>
+          </p:nvPr>
+        </p:nvSpPr>
+        <p:spPr/>
+        <p:txBody>
+          <a:bodyPr/>
+          <a:lstStyle/>
+          <a:p>
+            <a:r>
+              <a:rPr lang="fr-CH" dirty="0" smtClean="0"/>
+              <a:t>Un projet intéressant</a:t>
+            </a:r>
+          </a:p>
+          <a:p>
+            <a:r>
+              <a:rPr lang="fr-CH" dirty="0" smtClean="0"/>
+              <a:t>Découverte de </a:t>
+            </a:r>
+            <a:r>
+              <a:rPr lang="fr-CH" dirty="0" err="1" smtClean="0"/>
+              <a:t>JavaFx</a:t>
+            </a:r>
+            <a:r>
+              <a:rPr lang="fr-CH" dirty="0" smtClean="0"/>
+              <a:t>, une alternative concluante à Swing</a:t>
+            </a:r>
+          </a:p>
+          <a:p>
+            <a:r>
+              <a:rPr lang="fr-CH" dirty="0" smtClean="0"/>
+              <a:t>Mal finalisé</a:t>
+            </a:r>
+          </a:p>
+          <a:p>
+            <a:r>
+              <a:rPr lang="fr-CH" dirty="0" smtClean="0"/>
+              <a:t>Bonne répartition des tâches</a:t>
+            </a:r>
+          </a:p>
+          <a:p>
+            <a:r>
+              <a:rPr lang="fr-CH" dirty="0" smtClean="0"/>
+              <a:t>Mais mauvaise coordination sur la fin</a:t>
+            </a:r>
+          </a:p>
+          <a:p>
+            <a:endParaRPr lang="fr-CH" dirty="0"/>
+          </a:p>
+        </p:txBody>
+      </p:sp>
+      <p:sp>
+        <p:nvSpPr>
+          <p:cNvPr id="4" name="Espace réservé du numéro de diapositive 3"/>
+          <p:cNvSpPr>
+            <a:spLocks noGrp="1"/>
+          </p:cNvSpPr>
+          <p:nvPr>
+            <p:ph type="sldNum" sz="quarter" idx="12"/>
+          </p:nvPr>
+        </p:nvSpPr>
+        <p:spPr/>
+        <p:txBody>
+          <a:bodyPr/>
+          <a:lstStyle/>
+          <a:p>
+            <a:fld id="{D57F1E4F-1CFF-5643-939E-217C01CDF565}" type="slidenum">
+              <a:rPr lang="en-US" smtClean="0"/>
+              <a:pPr/>
+              <a:t>24</a:t>
+            </a:fld>
+            <a:endParaRPr lang="en-US" dirty="0"/>
+          </a:p>
+        </p:txBody>
+      </p:sp>
+    </p:spTree>
+    <p:extLst>
+      <p:ext uri="{BB962C8B-B14F-4D97-AF65-F5344CB8AC3E}">
+        <p14:creationId xmlns:p14="http://schemas.microsoft.com/office/powerpoint/2010/main" val="767794803"/>
+      </p:ext>
+    </p:extLst>
+  </p:cSld>
+  <p:clrMapOvr>
+    <a:masterClrMapping/>
+  </p:clrMapOvr>
 </p:sld>
 </file>
 
@@ -15636,13 +17195,6 @@
       <p:transition/>
     </mc:Fallback>
   </mc:AlternateContent>
-  <p:timing>
-    <p:tnLst>
-      <p:par>
-        <p:cTn id="1" dur="indefinite" restart="never" nodeType="tmRoot"/>
-      </p:par>
-    </p:tnLst>
-  </p:timing>
 </p:sld>
 </file>
 
@@ -16575,13 +18127,6 @@
   <p:clrMapOvr>
     <a:masterClrMapping/>
   </p:clrMapOvr>
-  <p:timing>
-    <p:tnLst>
-      <p:par>
-        <p:cTn id="1" dur="indefinite" restart="never" nodeType="tmRoot"/>
-      </p:par>
-    </p:tnLst>
-  </p:timing>
 </p:sld>
 </file>
 
@@ -19519,13 +21064,6 @@
   <p:clrMapOvr>
     <a:masterClrMapping/>
   </p:clrMapOvr>
-  <p:timing>
-    <p:tnLst>
-      <p:par>
-        <p:cTn id="1" dur="indefinite" restart="never" nodeType="tmRoot"/>
-      </p:par>
-    </p:tnLst>
-  </p:timing>
 </p:sld>
 </file>
 
@@ -19661,13 +21199,6 @@
   <p:clrMapOvr>
     <a:masterClrMapping/>
   </p:clrMapOvr>
-  <p:timing>
-    <p:tnLst>
-      <p:par>
-        <p:cTn id="1" dur="indefinite" restart="never" nodeType="tmRoot"/>
-      </p:par>
-    </p:tnLst>
-  </p:timing>
 </p:sld>
 </file>
 

--- a/Présentation/Défense orale.pptx
+++ b/Présentation/Défense orale.pptx
@@ -5,7 +5,7 @@
     <p:sldMasterId id="2147483843" r:id="rId1"/>
   </p:sldMasterIdLst>
   <p:notesMasterIdLst>
-    <p:notesMasterId r:id="rId26"/>
+    <p:notesMasterId r:id="rId28"/>
   </p:notesMasterIdLst>
   <p:sldIdLst>
     <p:sldId id="256" r:id="rId2"/>
@@ -28,10 +28,12 @@
     <p:sldId id="285" r:id="rId19"/>
     <p:sldId id="277" r:id="rId20"/>
     <p:sldId id="278" r:id="rId21"/>
-    <p:sldId id="279" r:id="rId22"/>
-    <p:sldId id="280" r:id="rId23"/>
-    <p:sldId id="281" r:id="rId24"/>
-    <p:sldId id="286" r:id="rId25"/>
+    <p:sldId id="287" r:id="rId22"/>
+    <p:sldId id="288" r:id="rId23"/>
+    <p:sldId id="279" r:id="rId24"/>
+    <p:sldId id="280" r:id="rId25"/>
+    <p:sldId id="281" r:id="rId26"/>
+    <p:sldId id="286" r:id="rId27"/>
   </p:sldIdLst>
   <p:sldSz cx="9144000" cy="6858000" type="screen4x3"/>
   <p:notesSz cx="6858000" cy="9144000"/>
@@ -15647,7 +15649,15 @@
           <a:p>
             <a:r>
               <a:rPr lang="fr-CH" dirty="0"/>
-              <a:t>Pas de contrôle de la collection lorsque l’application est lancée</a:t>
+              <a:t>Pas de contrôle </a:t>
+            </a:r>
+            <a:r>
+              <a:rPr lang="fr-CH" dirty="0" smtClean="0"/>
+              <a:t>d’intégrité de </a:t>
+            </a:r>
+            <a:r>
+              <a:rPr lang="fr-CH" dirty="0"/>
+              <a:t>la collection lorsque l’application est lancée</a:t>
             </a:r>
           </a:p>
           <a:p>
@@ -16098,9 +16108,17 @@
           <a:lstStyle/>
           <a:p>
             <a:r>
-              <a:rPr lang="fr-CH" dirty="0"/>
-              <a:t>Améliorations possibles</a:t>
-            </a:r>
+              <a:rPr lang="fr-CH" dirty="0" smtClean="0"/>
+              <a:t>Points </a:t>
+            </a:r>
+            <a:br>
+              <a:rPr lang="fr-CH" dirty="0" smtClean="0"/>
+            </a:br>
+            <a:r>
+              <a:rPr lang="fr-CH" dirty="0" smtClean="0"/>
+              <a:t>non-réalisés</a:t>
+            </a:r>
+            <a:endParaRPr lang="fr-CH" dirty="0"/>
           </a:p>
         </p:txBody>
       </p:sp>
@@ -16161,7 +16179,7 @@
     </p:spTree>
     <p:extLst>
       <p:ext uri="{BB962C8B-B14F-4D97-AF65-F5344CB8AC3E}">
-        <p14:creationId xmlns:p14="http://schemas.microsoft.com/office/powerpoint/2010/main" val="3631199245"/>
+        <p14:creationId xmlns:p14="http://schemas.microsoft.com/office/powerpoint/2010/main" val="400419508"/>
       </p:ext>
     </p:extLst>
   </p:cSld>
@@ -16210,8 +16228,13 @@
           <a:p>
             <a:r>
               <a:rPr lang="fr-CH" dirty="0"/>
-              <a:t>Améliorations possibles</a:t>
-            </a:r>
+              <a:t>Points </a:t>
+            </a:r>
+            <a:r>
+              <a:rPr lang="fr-CH" dirty="0" smtClean="0"/>
+              <a:t>non-réalisés</a:t>
+            </a:r>
+            <a:endParaRPr lang="fr-CH" dirty="0"/>
           </a:p>
         </p:txBody>
       </p:sp>
@@ -16255,32 +16278,28 @@
           <a:lstStyle/>
           <a:p>
             <a:r>
-              <a:rPr lang="fr-CH" dirty="0"/>
-              <a:t>Fonctions supplémentaire dans les lecteurs (volumes, </a:t>
-            </a:r>
-            <a:r>
               <a:rPr lang="fr-CH" dirty="0" smtClean="0"/>
-              <a:t>…)</a:t>
-            </a:r>
-          </a:p>
-          <a:p>
-            <a:pPr marL="0" indent="0">
-              <a:buNone/>
-            </a:pPr>
-            <a:endParaRPr lang="fr-CH" dirty="0" smtClean="0"/>
+              <a:t>Problème d’extraction de certaines métadonnées des vidéos</a:t>
+            </a:r>
+            <a:endParaRPr lang="fr-CH" dirty="0"/>
+          </a:p>
+          <a:p>
+            <a:endParaRPr lang="fr-CH" dirty="0"/>
           </a:p>
           <a:p>
             <a:r>
               <a:rPr lang="fr-CH" dirty="0" smtClean="0"/>
-              <a:t>Possibilité </a:t>
-            </a:r>
-            <a:r>
-              <a:rPr lang="fr-CH" dirty="0"/>
-              <a:t>de créer des </a:t>
-            </a:r>
+              <a:t>Vue série minimaliste</a:t>
+            </a:r>
+            <a:endParaRPr lang="fr-CH" dirty="0"/>
+          </a:p>
+          <a:p>
+            <a:endParaRPr lang="fr-CH" dirty="0"/>
+          </a:p>
+          <a:p>
             <a:r>
               <a:rPr lang="fr-CH" dirty="0" smtClean="0"/>
-              <a:t>playlists</a:t>
+              <a:t>Compatibilité linux, à cause de la librairie VLCJ</a:t>
             </a:r>
           </a:p>
           <a:p>
@@ -16289,11 +16308,7 @@
           <a:p>
             <a:r>
               <a:rPr lang="fr-CH" dirty="0" smtClean="0"/>
-              <a:t>Fonction </a:t>
-            </a:r>
-            <a:r>
-              <a:rPr lang="fr-CH" dirty="0"/>
-              <a:t>de recherche</a:t>
+              <a:t>Gestion d’erreur lors de la synchronisation</a:t>
             </a:r>
           </a:p>
           <a:p>
@@ -16301,16 +16316,22 @@
           </a:p>
           <a:p>
             <a:r>
-              <a:rPr lang="fr-CH" dirty="0"/>
-              <a:t>Streaming de média</a:t>
-            </a:r>
+              <a:rPr lang="fr-CH" dirty="0" smtClean="0"/>
+              <a:t>Synchronisation des séries</a:t>
+            </a:r>
+          </a:p>
+          <a:p>
+            <a:endParaRPr lang="fr-CH" dirty="0"/>
+          </a:p>
+          <a:p>
+            <a:endParaRPr lang="fr-CH" dirty="0"/>
           </a:p>
         </p:txBody>
       </p:sp>
     </p:spTree>
     <p:extLst>
       <p:ext uri="{BB962C8B-B14F-4D97-AF65-F5344CB8AC3E}">
-        <p14:creationId xmlns:p14="http://schemas.microsoft.com/office/powerpoint/2010/main" val="2225617271"/>
+        <p14:creationId xmlns:p14="http://schemas.microsoft.com/office/powerpoint/2010/main" val="2562988542"/>
       </p:ext>
     </p:extLst>
   </p:cSld>
@@ -16756,6 +16777,121 @@
                                           <p:spTgt spid="3">
                                             <p:txEl>
                                               <p:pRg st="6" end="6"/>
+                                            </p:txEl>
+                                          </p:spTgt>
+                                        </p:tgtEl>
+                                        <p:attrNameLst>
+                                          <p:attrName>ppt_y</p:attrName>
+                                        </p:attrNameLst>
+                                      </p:cBhvr>
+                                      <p:tavLst>
+                                        <p:tav tm="0">
+                                          <p:val>
+                                            <p:strVal val="#ppt_y+.1"/>
+                                          </p:val>
+                                        </p:tav>
+                                        <p:tav tm="100000">
+                                          <p:val>
+                                            <p:strVal val="#ppt_y"/>
+                                          </p:val>
+                                        </p:tav>
+                                      </p:tavLst>
+                                    </p:anim>
+                                  </p:childTnLst>
+                                </p:cTn>
+                              </p:par>
+                            </p:childTnLst>
+                          </p:cTn>
+                        </p:par>
+                      </p:childTnLst>
+                    </p:cTn>
+                  </p:par>
+                  <p:par>
+                    <p:cTn id="31" fill="hold">
+                      <p:stCondLst>
+                        <p:cond delay="indefinite"/>
+                      </p:stCondLst>
+                      <p:childTnLst>
+                        <p:par>
+                          <p:cTn id="32" fill="hold">
+                            <p:stCondLst>
+                              <p:cond delay="0"/>
+                            </p:stCondLst>
+                            <p:childTnLst>
+                              <p:par>
+                                <p:cTn id="33" presetID="42" presetClass="entr" presetSubtype="0" fill="hold" grpId="0" nodeType="clickEffect">
+                                  <p:stCondLst>
+                                    <p:cond delay="0"/>
+                                  </p:stCondLst>
+                                  <p:childTnLst>
+                                    <p:set>
+                                      <p:cBhvr>
+                                        <p:cTn id="34" dur="1" fill="hold">
+                                          <p:stCondLst>
+                                            <p:cond delay="0"/>
+                                          </p:stCondLst>
+                                        </p:cTn>
+                                        <p:tgtEl>
+                                          <p:spTgt spid="3">
+                                            <p:txEl>
+                                              <p:pRg st="8" end="8"/>
+                                            </p:txEl>
+                                          </p:spTgt>
+                                        </p:tgtEl>
+                                        <p:attrNameLst>
+                                          <p:attrName>style.visibility</p:attrName>
+                                        </p:attrNameLst>
+                                      </p:cBhvr>
+                                      <p:to>
+                                        <p:strVal val="visible"/>
+                                      </p:to>
+                                    </p:set>
+                                    <p:animEffect transition="in" filter="fade">
+                                      <p:cBhvr>
+                                        <p:cTn id="35" dur="1000"/>
+                                        <p:tgtEl>
+                                          <p:spTgt spid="3">
+                                            <p:txEl>
+                                              <p:pRg st="8" end="8"/>
+                                            </p:txEl>
+                                          </p:spTgt>
+                                        </p:tgtEl>
+                                      </p:cBhvr>
+                                    </p:animEffect>
+                                    <p:anim calcmode="lin" valueType="num">
+                                      <p:cBhvr>
+                                        <p:cTn id="36" dur="1000" fill="hold"/>
+                                        <p:tgtEl>
+                                          <p:spTgt spid="3">
+                                            <p:txEl>
+                                              <p:pRg st="8" end="8"/>
+                                            </p:txEl>
+                                          </p:spTgt>
+                                        </p:tgtEl>
+                                        <p:attrNameLst>
+                                          <p:attrName>ppt_x</p:attrName>
+                                        </p:attrNameLst>
+                                      </p:cBhvr>
+                                      <p:tavLst>
+                                        <p:tav tm="0">
+                                          <p:val>
+                                            <p:strVal val="#ppt_x"/>
+                                          </p:val>
+                                        </p:tav>
+                                        <p:tav tm="100000">
+                                          <p:val>
+                                            <p:strVal val="#ppt_x"/>
+                                          </p:val>
+                                        </p:tav>
+                                      </p:tavLst>
+                                    </p:anim>
+                                    <p:anim calcmode="lin" valueType="num">
+                                      <p:cBhvr>
+                                        <p:cTn id="37" dur="1000" fill="hold"/>
+                                        <p:tgtEl>
+                                          <p:spTgt spid="3">
+                                            <p:txEl>
+                                              <p:pRg st="8" end="8"/>
                                             </p:txEl>
                                           </p:spTgt>
                                         </p:tgtEl>
@@ -16851,10 +16987,9 @@
           <a:lstStyle/>
           <a:p>
             <a:r>
-              <a:rPr lang="fr-CH" dirty="0" smtClean="0"/>
-              <a:t>Conclusion</a:t>
-            </a:r>
-            <a:endParaRPr lang="fr-CH" dirty="0"/>
+              <a:rPr lang="fr-CH" dirty="0"/>
+              <a:t>Améliorations possibles</a:t>
+            </a:r>
           </a:p>
         </p:txBody>
       </p:sp>
@@ -16877,6 +17012,760 @@
               <a:rPr lang="en-US" smtClean="0"/>
               <a:pPr/>
               <a:t>23</a:t>
+            </a:fld>
+            <a:endParaRPr lang="en-US" dirty="0"/>
+          </a:p>
+        </p:txBody>
+      </p:sp>
+      <p:pic>
+        <p:nvPicPr>
+          <p:cNvPr id="5" name="Image 4"/>
+          <p:cNvPicPr>
+            <a:picLocks noChangeAspect="1"/>
+          </p:cNvPicPr>
+          <p:nvPr/>
+        </p:nvPicPr>
+        <p:blipFill>
+          <a:blip r:embed="rId2">
+            <a:extLst>
+              <a:ext uri="{28A0092B-C50C-407E-A947-70E740481C1C}">
+                <a14:useLocalDpi xmlns:a14="http://schemas.microsoft.com/office/drawing/2010/main" val="0"/>
+              </a:ext>
+            </a:extLst>
+          </a:blip>
+          <a:stretch>
+            <a:fillRect/>
+          </a:stretch>
+        </p:blipFill>
+        <p:spPr>
+          <a:xfrm>
+            <a:off x="4314225" y="4120686"/>
+            <a:ext cx="5229546" cy="2941620"/>
+          </a:xfrm>
+          <a:prstGeom prst="rect">
+            <a:avLst/>
+          </a:prstGeom>
+        </p:spPr>
+      </p:pic>
+    </p:spTree>
+    <p:extLst>
+      <p:ext uri="{BB962C8B-B14F-4D97-AF65-F5344CB8AC3E}">
+        <p14:creationId xmlns:p14="http://schemas.microsoft.com/office/powerpoint/2010/main" val="3631199245"/>
+      </p:ext>
+    </p:extLst>
+  </p:cSld>
+  <p:clrMapOvr>
+    <a:masterClrMapping/>
+  </p:clrMapOvr>
+</p:sld>
+</file>
+
+<file path=ppt/slides/slide24.xml><?xml version="1.0" encoding="utf-8"?>
+<p:sld xmlns:a="http://schemas.openxmlformats.org/drawingml/2006/main" xmlns:r="http://schemas.openxmlformats.org/officeDocument/2006/relationships" xmlns:p="http://schemas.openxmlformats.org/presentationml/2006/main">
+  <p:cSld>
+    <p:spTree>
+      <p:nvGrpSpPr>
+        <p:cNvPr id="1" name=""/>
+        <p:cNvGrpSpPr/>
+        <p:nvPr/>
+      </p:nvGrpSpPr>
+      <p:grpSpPr>
+        <a:xfrm>
+          <a:off x="0" y="0"/>
+          <a:ext cx="0" cy="0"/>
+          <a:chOff x="0" y="0"/>
+          <a:chExt cx="0" cy="0"/>
+        </a:xfrm>
+      </p:grpSpPr>
+      <p:sp>
+        <p:nvSpPr>
+          <p:cNvPr id="2" name="Titre 1"/>
+          <p:cNvSpPr>
+            <a:spLocks noGrp="1"/>
+          </p:cNvSpPr>
+          <p:nvPr>
+            <p:ph type="title"/>
+          </p:nvPr>
+        </p:nvSpPr>
+        <p:spPr>
+          <a:xfrm>
+            <a:off x="484710" y="172161"/>
+            <a:ext cx="7055380" cy="1400530"/>
+          </a:xfrm>
+        </p:spPr>
+        <p:txBody>
+          <a:bodyPr/>
+          <a:lstStyle/>
+          <a:p>
+            <a:r>
+              <a:rPr lang="fr-CH" dirty="0"/>
+              <a:t>Améliorations possibles</a:t>
+            </a:r>
+          </a:p>
+        </p:txBody>
+      </p:sp>
+      <p:sp>
+        <p:nvSpPr>
+          <p:cNvPr id="8" name="Espace réservé du numéro de diapositive 7"/>
+          <p:cNvSpPr>
+            <a:spLocks noGrp="1"/>
+          </p:cNvSpPr>
+          <p:nvPr>
+            <p:ph type="sldNum" sz="quarter" idx="12"/>
+          </p:nvPr>
+        </p:nvSpPr>
+        <p:spPr/>
+        <p:txBody>
+          <a:bodyPr/>
+          <a:lstStyle/>
+          <a:p>
+            <a:fld id="{D57F1E4F-1CFF-5643-939E-217C01CDF565}" type="slidenum">
+              <a:rPr lang="en-US" smtClean="0"/>
+              <a:pPr/>
+              <a:t>24</a:t>
+            </a:fld>
+            <a:endParaRPr lang="en-US" dirty="0"/>
+          </a:p>
+        </p:txBody>
+      </p:sp>
+      <p:sp>
+        <p:nvSpPr>
+          <p:cNvPr id="3" name="Espace réservé du contenu 2"/>
+          <p:cNvSpPr>
+            <a:spLocks noGrp="1"/>
+          </p:cNvSpPr>
+          <p:nvPr>
+            <p:ph idx="1"/>
+          </p:nvPr>
+        </p:nvSpPr>
+        <p:spPr/>
+        <p:txBody>
+          <a:bodyPr/>
+          <a:lstStyle/>
+          <a:p>
+            <a:r>
+              <a:rPr lang="fr-CH" dirty="0"/>
+              <a:t>Fonctions supplémentaire dans les lecteurs (volumes, </a:t>
+            </a:r>
+            <a:r>
+              <a:rPr lang="fr-CH" dirty="0" smtClean="0"/>
+              <a:t>…)</a:t>
+            </a:r>
+          </a:p>
+          <a:p>
+            <a:pPr marL="0" indent="0">
+              <a:buNone/>
+            </a:pPr>
+            <a:endParaRPr lang="fr-CH" dirty="0" smtClean="0"/>
+          </a:p>
+          <a:p>
+            <a:r>
+              <a:rPr lang="fr-CH" dirty="0" smtClean="0"/>
+              <a:t>Possibilité </a:t>
+            </a:r>
+            <a:r>
+              <a:rPr lang="fr-CH" dirty="0"/>
+              <a:t>de créer des </a:t>
+            </a:r>
+            <a:r>
+              <a:rPr lang="fr-CH" dirty="0" smtClean="0"/>
+              <a:t>playlists</a:t>
+            </a:r>
+          </a:p>
+          <a:p>
+            <a:endParaRPr lang="fr-CH" dirty="0"/>
+          </a:p>
+          <a:p>
+            <a:r>
+              <a:rPr lang="fr-CH" dirty="0" smtClean="0"/>
+              <a:t>Fonction </a:t>
+            </a:r>
+            <a:r>
+              <a:rPr lang="fr-CH" dirty="0"/>
+              <a:t>de recherche</a:t>
+            </a:r>
+          </a:p>
+          <a:p>
+            <a:endParaRPr lang="fr-CH" dirty="0"/>
+          </a:p>
+          <a:p>
+            <a:r>
+              <a:rPr lang="fr-CH" dirty="0"/>
+              <a:t>Streaming de média</a:t>
+            </a:r>
+          </a:p>
+        </p:txBody>
+      </p:sp>
+    </p:spTree>
+    <p:extLst>
+      <p:ext uri="{BB962C8B-B14F-4D97-AF65-F5344CB8AC3E}">
+        <p14:creationId xmlns:p14="http://schemas.microsoft.com/office/powerpoint/2010/main" val="2225617271"/>
+      </p:ext>
+    </p:extLst>
+  </p:cSld>
+  <p:clrMapOvr>
+    <a:masterClrMapping/>
+  </p:clrMapOvr>
+  <p:timing>
+    <p:tnLst>
+      <p:par>
+        <p:cTn id="1" dur="indefinite" restart="never" nodeType="tmRoot">
+          <p:childTnLst>
+            <p:seq concurrent="1" nextAc="seek">
+              <p:cTn id="2" dur="indefinite" nodeType="mainSeq">
+                <p:childTnLst>
+                  <p:par>
+                    <p:cTn id="3" fill="hold">
+                      <p:stCondLst>
+                        <p:cond delay="indefinite"/>
+                      </p:stCondLst>
+                      <p:childTnLst>
+                        <p:par>
+                          <p:cTn id="4" fill="hold">
+                            <p:stCondLst>
+                              <p:cond delay="0"/>
+                            </p:stCondLst>
+                            <p:childTnLst>
+                              <p:par>
+                                <p:cTn id="5" presetID="42" presetClass="entr" presetSubtype="0" fill="hold" grpId="0" nodeType="clickEffect">
+                                  <p:stCondLst>
+                                    <p:cond delay="0"/>
+                                  </p:stCondLst>
+                                  <p:childTnLst>
+                                    <p:set>
+                                      <p:cBhvr>
+                                        <p:cTn id="6" dur="1" fill="hold">
+                                          <p:stCondLst>
+                                            <p:cond delay="0"/>
+                                          </p:stCondLst>
+                                        </p:cTn>
+                                        <p:tgtEl>
+                                          <p:spTgt spid="3">
+                                            <p:txEl>
+                                              <p:pRg st="0" end="0"/>
+                                            </p:txEl>
+                                          </p:spTgt>
+                                        </p:tgtEl>
+                                        <p:attrNameLst>
+                                          <p:attrName>style.visibility</p:attrName>
+                                        </p:attrNameLst>
+                                      </p:cBhvr>
+                                      <p:to>
+                                        <p:strVal val="visible"/>
+                                      </p:to>
+                                    </p:set>
+                                    <p:animEffect transition="in" filter="fade">
+                                      <p:cBhvr>
+                                        <p:cTn id="7" dur="1000"/>
+                                        <p:tgtEl>
+                                          <p:spTgt spid="3">
+                                            <p:txEl>
+                                              <p:pRg st="0" end="0"/>
+                                            </p:txEl>
+                                          </p:spTgt>
+                                        </p:tgtEl>
+                                      </p:cBhvr>
+                                    </p:animEffect>
+                                    <p:anim calcmode="lin" valueType="num">
+                                      <p:cBhvr>
+                                        <p:cTn id="8" dur="1000" fill="hold"/>
+                                        <p:tgtEl>
+                                          <p:spTgt spid="3">
+                                            <p:txEl>
+                                              <p:pRg st="0" end="0"/>
+                                            </p:txEl>
+                                          </p:spTgt>
+                                        </p:tgtEl>
+                                        <p:attrNameLst>
+                                          <p:attrName>ppt_x</p:attrName>
+                                        </p:attrNameLst>
+                                      </p:cBhvr>
+                                      <p:tavLst>
+                                        <p:tav tm="0">
+                                          <p:val>
+                                            <p:strVal val="#ppt_x"/>
+                                          </p:val>
+                                        </p:tav>
+                                        <p:tav tm="100000">
+                                          <p:val>
+                                            <p:strVal val="#ppt_x"/>
+                                          </p:val>
+                                        </p:tav>
+                                      </p:tavLst>
+                                    </p:anim>
+                                    <p:anim calcmode="lin" valueType="num">
+                                      <p:cBhvr>
+                                        <p:cTn id="9" dur="1000" fill="hold"/>
+                                        <p:tgtEl>
+                                          <p:spTgt spid="3">
+                                            <p:txEl>
+                                              <p:pRg st="0" end="0"/>
+                                            </p:txEl>
+                                          </p:spTgt>
+                                        </p:tgtEl>
+                                        <p:attrNameLst>
+                                          <p:attrName>ppt_y</p:attrName>
+                                        </p:attrNameLst>
+                                      </p:cBhvr>
+                                      <p:tavLst>
+                                        <p:tav tm="0">
+                                          <p:val>
+                                            <p:strVal val="#ppt_y+.1"/>
+                                          </p:val>
+                                        </p:tav>
+                                        <p:tav tm="100000">
+                                          <p:val>
+                                            <p:strVal val="#ppt_y"/>
+                                          </p:val>
+                                        </p:tav>
+                                      </p:tavLst>
+                                    </p:anim>
+                                  </p:childTnLst>
+                                </p:cTn>
+                              </p:par>
+                            </p:childTnLst>
+                          </p:cTn>
+                        </p:par>
+                      </p:childTnLst>
+                    </p:cTn>
+                  </p:par>
+                  <p:par>
+                    <p:cTn id="10" fill="hold">
+                      <p:stCondLst>
+                        <p:cond delay="indefinite"/>
+                      </p:stCondLst>
+                      <p:childTnLst>
+                        <p:par>
+                          <p:cTn id="11" fill="hold">
+                            <p:stCondLst>
+                              <p:cond delay="0"/>
+                            </p:stCondLst>
+                            <p:childTnLst>
+                              <p:par>
+                                <p:cTn id="12" presetID="42" presetClass="entr" presetSubtype="0" fill="hold" grpId="0" nodeType="clickEffect">
+                                  <p:stCondLst>
+                                    <p:cond delay="0"/>
+                                  </p:stCondLst>
+                                  <p:childTnLst>
+                                    <p:set>
+                                      <p:cBhvr>
+                                        <p:cTn id="13" dur="1" fill="hold">
+                                          <p:stCondLst>
+                                            <p:cond delay="0"/>
+                                          </p:stCondLst>
+                                        </p:cTn>
+                                        <p:tgtEl>
+                                          <p:spTgt spid="3">
+                                            <p:txEl>
+                                              <p:pRg st="2" end="2"/>
+                                            </p:txEl>
+                                          </p:spTgt>
+                                        </p:tgtEl>
+                                        <p:attrNameLst>
+                                          <p:attrName>style.visibility</p:attrName>
+                                        </p:attrNameLst>
+                                      </p:cBhvr>
+                                      <p:to>
+                                        <p:strVal val="visible"/>
+                                      </p:to>
+                                    </p:set>
+                                    <p:animEffect transition="in" filter="fade">
+                                      <p:cBhvr>
+                                        <p:cTn id="14" dur="1000"/>
+                                        <p:tgtEl>
+                                          <p:spTgt spid="3">
+                                            <p:txEl>
+                                              <p:pRg st="2" end="2"/>
+                                            </p:txEl>
+                                          </p:spTgt>
+                                        </p:tgtEl>
+                                      </p:cBhvr>
+                                    </p:animEffect>
+                                    <p:anim calcmode="lin" valueType="num">
+                                      <p:cBhvr>
+                                        <p:cTn id="15" dur="1000" fill="hold"/>
+                                        <p:tgtEl>
+                                          <p:spTgt spid="3">
+                                            <p:txEl>
+                                              <p:pRg st="2" end="2"/>
+                                            </p:txEl>
+                                          </p:spTgt>
+                                        </p:tgtEl>
+                                        <p:attrNameLst>
+                                          <p:attrName>ppt_x</p:attrName>
+                                        </p:attrNameLst>
+                                      </p:cBhvr>
+                                      <p:tavLst>
+                                        <p:tav tm="0">
+                                          <p:val>
+                                            <p:strVal val="#ppt_x"/>
+                                          </p:val>
+                                        </p:tav>
+                                        <p:tav tm="100000">
+                                          <p:val>
+                                            <p:strVal val="#ppt_x"/>
+                                          </p:val>
+                                        </p:tav>
+                                      </p:tavLst>
+                                    </p:anim>
+                                    <p:anim calcmode="lin" valueType="num">
+                                      <p:cBhvr>
+                                        <p:cTn id="16" dur="1000" fill="hold"/>
+                                        <p:tgtEl>
+                                          <p:spTgt spid="3">
+                                            <p:txEl>
+                                              <p:pRg st="2" end="2"/>
+                                            </p:txEl>
+                                          </p:spTgt>
+                                        </p:tgtEl>
+                                        <p:attrNameLst>
+                                          <p:attrName>ppt_y</p:attrName>
+                                        </p:attrNameLst>
+                                      </p:cBhvr>
+                                      <p:tavLst>
+                                        <p:tav tm="0">
+                                          <p:val>
+                                            <p:strVal val="#ppt_y+.1"/>
+                                          </p:val>
+                                        </p:tav>
+                                        <p:tav tm="100000">
+                                          <p:val>
+                                            <p:strVal val="#ppt_y"/>
+                                          </p:val>
+                                        </p:tav>
+                                      </p:tavLst>
+                                    </p:anim>
+                                  </p:childTnLst>
+                                </p:cTn>
+                              </p:par>
+                            </p:childTnLst>
+                          </p:cTn>
+                        </p:par>
+                      </p:childTnLst>
+                    </p:cTn>
+                  </p:par>
+                  <p:par>
+                    <p:cTn id="17" fill="hold">
+                      <p:stCondLst>
+                        <p:cond delay="indefinite"/>
+                      </p:stCondLst>
+                      <p:childTnLst>
+                        <p:par>
+                          <p:cTn id="18" fill="hold">
+                            <p:stCondLst>
+                              <p:cond delay="0"/>
+                            </p:stCondLst>
+                            <p:childTnLst>
+                              <p:par>
+                                <p:cTn id="19" presetID="42" presetClass="entr" presetSubtype="0" fill="hold" grpId="0" nodeType="clickEffect">
+                                  <p:stCondLst>
+                                    <p:cond delay="0"/>
+                                  </p:stCondLst>
+                                  <p:childTnLst>
+                                    <p:set>
+                                      <p:cBhvr>
+                                        <p:cTn id="20" dur="1" fill="hold">
+                                          <p:stCondLst>
+                                            <p:cond delay="0"/>
+                                          </p:stCondLst>
+                                        </p:cTn>
+                                        <p:tgtEl>
+                                          <p:spTgt spid="3">
+                                            <p:txEl>
+                                              <p:pRg st="4" end="4"/>
+                                            </p:txEl>
+                                          </p:spTgt>
+                                        </p:tgtEl>
+                                        <p:attrNameLst>
+                                          <p:attrName>style.visibility</p:attrName>
+                                        </p:attrNameLst>
+                                      </p:cBhvr>
+                                      <p:to>
+                                        <p:strVal val="visible"/>
+                                      </p:to>
+                                    </p:set>
+                                    <p:animEffect transition="in" filter="fade">
+                                      <p:cBhvr>
+                                        <p:cTn id="21" dur="1000"/>
+                                        <p:tgtEl>
+                                          <p:spTgt spid="3">
+                                            <p:txEl>
+                                              <p:pRg st="4" end="4"/>
+                                            </p:txEl>
+                                          </p:spTgt>
+                                        </p:tgtEl>
+                                      </p:cBhvr>
+                                    </p:animEffect>
+                                    <p:anim calcmode="lin" valueType="num">
+                                      <p:cBhvr>
+                                        <p:cTn id="22" dur="1000" fill="hold"/>
+                                        <p:tgtEl>
+                                          <p:spTgt spid="3">
+                                            <p:txEl>
+                                              <p:pRg st="4" end="4"/>
+                                            </p:txEl>
+                                          </p:spTgt>
+                                        </p:tgtEl>
+                                        <p:attrNameLst>
+                                          <p:attrName>ppt_x</p:attrName>
+                                        </p:attrNameLst>
+                                      </p:cBhvr>
+                                      <p:tavLst>
+                                        <p:tav tm="0">
+                                          <p:val>
+                                            <p:strVal val="#ppt_x"/>
+                                          </p:val>
+                                        </p:tav>
+                                        <p:tav tm="100000">
+                                          <p:val>
+                                            <p:strVal val="#ppt_x"/>
+                                          </p:val>
+                                        </p:tav>
+                                      </p:tavLst>
+                                    </p:anim>
+                                    <p:anim calcmode="lin" valueType="num">
+                                      <p:cBhvr>
+                                        <p:cTn id="23" dur="1000" fill="hold"/>
+                                        <p:tgtEl>
+                                          <p:spTgt spid="3">
+                                            <p:txEl>
+                                              <p:pRg st="4" end="4"/>
+                                            </p:txEl>
+                                          </p:spTgt>
+                                        </p:tgtEl>
+                                        <p:attrNameLst>
+                                          <p:attrName>ppt_y</p:attrName>
+                                        </p:attrNameLst>
+                                      </p:cBhvr>
+                                      <p:tavLst>
+                                        <p:tav tm="0">
+                                          <p:val>
+                                            <p:strVal val="#ppt_y+.1"/>
+                                          </p:val>
+                                        </p:tav>
+                                        <p:tav tm="100000">
+                                          <p:val>
+                                            <p:strVal val="#ppt_y"/>
+                                          </p:val>
+                                        </p:tav>
+                                      </p:tavLst>
+                                    </p:anim>
+                                  </p:childTnLst>
+                                </p:cTn>
+                              </p:par>
+                            </p:childTnLst>
+                          </p:cTn>
+                        </p:par>
+                      </p:childTnLst>
+                    </p:cTn>
+                  </p:par>
+                  <p:par>
+                    <p:cTn id="24" fill="hold">
+                      <p:stCondLst>
+                        <p:cond delay="indefinite"/>
+                      </p:stCondLst>
+                      <p:childTnLst>
+                        <p:par>
+                          <p:cTn id="25" fill="hold">
+                            <p:stCondLst>
+                              <p:cond delay="0"/>
+                            </p:stCondLst>
+                            <p:childTnLst>
+                              <p:par>
+                                <p:cTn id="26" presetID="42" presetClass="entr" presetSubtype="0" fill="hold" grpId="0" nodeType="clickEffect">
+                                  <p:stCondLst>
+                                    <p:cond delay="0"/>
+                                  </p:stCondLst>
+                                  <p:childTnLst>
+                                    <p:set>
+                                      <p:cBhvr>
+                                        <p:cTn id="27" dur="1" fill="hold">
+                                          <p:stCondLst>
+                                            <p:cond delay="0"/>
+                                          </p:stCondLst>
+                                        </p:cTn>
+                                        <p:tgtEl>
+                                          <p:spTgt spid="3">
+                                            <p:txEl>
+                                              <p:pRg st="6" end="6"/>
+                                            </p:txEl>
+                                          </p:spTgt>
+                                        </p:tgtEl>
+                                        <p:attrNameLst>
+                                          <p:attrName>style.visibility</p:attrName>
+                                        </p:attrNameLst>
+                                      </p:cBhvr>
+                                      <p:to>
+                                        <p:strVal val="visible"/>
+                                      </p:to>
+                                    </p:set>
+                                    <p:animEffect transition="in" filter="fade">
+                                      <p:cBhvr>
+                                        <p:cTn id="28" dur="1000"/>
+                                        <p:tgtEl>
+                                          <p:spTgt spid="3">
+                                            <p:txEl>
+                                              <p:pRg st="6" end="6"/>
+                                            </p:txEl>
+                                          </p:spTgt>
+                                        </p:tgtEl>
+                                      </p:cBhvr>
+                                    </p:animEffect>
+                                    <p:anim calcmode="lin" valueType="num">
+                                      <p:cBhvr>
+                                        <p:cTn id="29" dur="1000" fill="hold"/>
+                                        <p:tgtEl>
+                                          <p:spTgt spid="3">
+                                            <p:txEl>
+                                              <p:pRg st="6" end="6"/>
+                                            </p:txEl>
+                                          </p:spTgt>
+                                        </p:tgtEl>
+                                        <p:attrNameLst>
+                                          <p:attrName>ppt_x</p:attrName>
+                                        </p:attrNameLst>
+                                      </p:cBhvr>
+                                      <p:tavLst>
+                                        <p:tav tm="0">
+                                          <p:val>
+                                            <p:strVal val="#ppt_x"/>
+                                          </p:val>
+                                        </p:tav>
+                                        <p:tav tm="100000">
+                                          <p:val>
+                                            <p:strVal val="#ppt_x"/>
+                                          </p:val>
+                                        </p:tav>
+                                      </p:tavLst>
+                                    </p:anim>
+                                    <p:anim calcmode="lin" valueType="num">
+                                      <p:cBhvr>
+                                        <p:cTn id="30" dur="1000" fill="hold"/>
+                                        <p:tgtEl>
+                                          <p:spTgt spid="3">
+                                            <p:txEl>
+                                              <p:pRg st="6" end="6"/>
+                                            </p:txEl>
+                                          </p:spTgt>
+                                        </p:tgtEl>
+                                        <p:attrNameLst>
+                                          <p:attrName>ppt_y</p:attrName>
+                                        </p:attrNameLst>
+                                      </p:cBhvr>
+                                      <p:tavLst>
+                                        <p:tav tm="0">
+                                          <p:val>
+                                            <p:strVal val="#ppt_y+.1"/>
+                                          </p:val>
+                                        </p:tav>
+                                        <p:tav tm="100000">
+                                          <p:val>
+                                            <p:strVal val="#ppt_y"/>
+                                          </p:val>
+                                        </p:tav>
+                                      </p:tavLst>
+                                    </p:anim>
+                                  </p:childTnLst>
+                                </p:cTn>
+                              </p:par>
+                            </p:childTnLst>
+                          </p:cTn>
+                        </p:par>
+                      </p:childTnLst>
+                    </p:cTn>
+                  </p:par>
+                </p:childTnLst>
+              </p:cTn>
+              <p:prevCondLst>
+                <p:cond evt="onPrev" delay="0">
+                  <p:tgtEl>
+                    <p:sldTgt/>
+                  </p:tgtEl>
+                </p:cond>
+              </p:prevCondLst>
+              <p:nextCondLst>
+                <p:cond evt="onNext" delay="0">
+                  <p:tgtEl>
+                    <p:sldTgt/>
+                  </p:tgtEl>
+                </p:cond>
+              </p:nextCondLst>
+            </p:seq>
+          </p:childTnLst>
+        </p:cTn>
+      </p:par>
+    </p:tnLst>
+    <p:bldLst>
+      <p:bldP spid="3" grpId="0" build="p"/>
+    </p:bldLst>
+  </p:timing>
+</p:sld>
+</file>
+
+<file path=ppt/slides/slide25.xml><?xml version="1.0" encoding="utf-8"?>
+<p:sld xmlns:a="http://schemas.openxmlformats.org/drawingml/2006/main" xmlns:r="http://schemas.openxmlformats.org/officeDocument/2006/relationships" xmlns:p="http://schemas.openxmlformats.org/presentationml/2006/main">
+  <p:cSld>
+    <p:spTree>
+      <p:nvGrpSpPr>
+        <p:cNvPr id="1" name=""/>
+        <p:cNvGrpSpPr/>
+        <p:nvPr/>
+      </p:nvGrpSpPr>
+      <p:grpSpPr>
+        <a:xfrm>
+          <a:off x="0" y="0"/>
+          <a:ext cx="0" cy="0"/>
+          <a:chOff x="0" y="0"/>
+          <a:chExt cx="0" cy="0"/>
+        </a:xfrm>
+      </p:grpSpPr>
+      <p:sp>
+        <p:nvSpPr>
+          <p:cNvPr id="2" name="Titre 1"/>
+          <p:cNvSpPr>
+            <a:spLocks noGrp="1"/>
+          </p:cNvSpPr>
+          <p:nvPr>
+            <p:ph type="ctrTitle"/>
+          </p:nvPr>
+        </p:nvSpPr>
+        <p:spPr>
+          <a:xfrm>
+            <a:off x="866441" y="1447801"/>
+            <a:ext cx="7415113" cy="3329581"/>
+          </a:xfrm>
+        </p:spPr>
+        <p:txBody>
+          <a:bodyPr/>
+          <a:lstStyle/>
+          <a:p>
+            <a:r>
+              <a:rPr lang="fr-CH" dirty="0" smtClean="0"/>
+              <a:t>Conclusion</a:t>
+            </a:r>
+            <a:endParaRPr lang="fr-CH" dirty="0"/>
+          </a:p>
+        </p:txBody>
+      </p:sp>
+      <p:sp>
+        <p:nvSpPr>
+          <p:cNvPr id="4" name="Espace réservé du numéro de diapositive 3"/>
+          <p:cNvSpPr>
+            <a:spLocks noGrp="1"/>
+          </p:cNvSpPr>
+          <p:nvPr>
+            <p:ph type="sldNum" sz="quarter" idx="12"/>
+          </p:nvPr>
+        </p:nvSpPr>
+        <p:spPr/>
+        <p:txBody>
+          <a:bodyPr/>
+          <a:lstStyle/>
+          <a:p>
+            <a:fld id="{D57F1E4F-1CFF-5643-939E-217C01CDF565}" type="slidenum">
+              <a:rPr lang="en-US" smtClean="0"/>
+              <a:pPr/>
+              <a:t>25</a:t>
             </a:fld>
             <a:endParaRPr lang="en-US" dirty="0"/>
           </a:p>
@@ -16925,7 +17814,7 @@
 </p:sld>
 </file>
 
-<file path=ppt/slides/slide24.xml><?xml version="1.0" encoding="utf-8"?>
+<file path=ppt/slides/slide26.xml><?xml version="1.0" encoding="utf-8"?>
 <p:sld xmlns:a="http://schemas.openxmlformats.org/drawingml/2006/main" xmlns:r="http://schemas.openxmlformats.org/officeDocument/2006/relationships" xmlns:p="http://schemas.openxmlformats.org/presentationml/2006/main">
   <p:cSld>
     <p:spTree>
@@ -17040,7 +17929,7 @@
             <a:fld id="{D57F1E4F-1CFF-5643-939E-217C01CDF565}" type="slidenum">
               <a:rPr lang="en-US" smtClean="0"/>
               <a:pPr/>
-              <a:t>24</a:t>
+              <a:t>26</a:t>
             </a:fld>
             <a:endParaRPr lang="en-US" dirty="0"/>
           </a:p>
